--- a/ums1/rtl/rtl.pptx
+++ b/ums1/rtl/rtl.pptx
@@ -13,6 +13,9 @@
     <p:sldId id="258" r:id="rId10"/>
     <p:sldId id="259" r:id="rId11"/>
     <p:sldId id="260" r:id="rId12"/>
+    <p:sldId id="261" r:id="rId13"/>
+    <p:sldId id="262" r:id="rId14"/>
+    <p:sldId id="263" r:id="rId15"/>
   </p:sldIdLst>
   <p:sldSz cx="12192000" cy="6858000"/>
   <p:notesSz cx="6858000" cy="9144000"/>
@@ -4942,7 +4945,7 @@
         <p:spPr>
           <a:xfrm>
             <a:off x="918844" y="1571370"/>
-            <a:ext cx="10354310" cy="3558541"/>
+            <a:ext cx="10354310" cy="4447541"/>
           </a:xfrm>
           <a:prstGeom prst="rect">
             <a:avLst/>
@@ -4977,7 +4980,7 @@
               </a:defRPr>
             </a:pPr>
             <a:r>
-              <a:t>题解思路</a:t>
+              <a:t>题目背景</a:t>
             </a:r>
           </a:p>
           <a:p>
@@ -4996,7 +4999,7 @@
               </a:defRPr>
             </a:pPr>
             <a:r>
-              <a:t>首先，我们观察题目。</a:t>
+              <a:t>现有一个字符串。</a:t>
             </a:r>
           </a:p>
           <a:p>
@@ -5014,9 +5017,6 @@
                 <a:sym typeface="微软雅黑 Light"/>
               </a:defRPr>
             </a:pPr>
-            <a:r>
-              <a:t>可以发现，本题所求即为通过删除/插入若干字母，使其成为回文串的最小代价。</a:t>
-            </a:r>
           </a:p>
           <a:p>
             <a:pPr>
@@ -5034,7 +5034,7 @@
               </a:defRPr>
             </a:pPr>
             <a:r>
-              <a:t>不难想出，我们可以使用区间 DP 来解决这道问题。</a:t>
+              <a:t>我们可以通过若干次插入 / 删除字母（在原串中出现过的），使这个字符串变为回文串。</a:t>
             </a:r>
           </a:p>
           <a:p>
@@ -5052,66 +5052,59 @@
                 <a:sym typeface="微软雅黑 Light"/>
               </a:defRPr>
             </a:pPr>
-            <a:r>
-              <a:t>区间 DP 需要 </a:t>
-            </a:r>
-            <a14:m>
-              <m:oMath>
-                <m:r>
-                  <a:rPr xmlns:a="http://schemas.openxmlformats.org/drawingml/2006/main" sz="3050" i="1">
-                    <a:solidFill>
-                      <a:srgbClr val="364182"/>
-                    </a:solidFill>
-                    <a:latin typeface="Cambria Math" panose="02040503050406030204" pitchFamily="18" charset="0"/>
-                  </a:rPr>
-                  <m:t>O</m:t>
-                </m:r>
-                <m:r>
-                  <a:rPr xmlns:a="http://schemas.openxmlformats.org/drawingml/2006/main" sz="3050" i="1">
-                    <a:solidFill>
-                      <a:srgbClr val="364182"/>
-                    </a:solidFill>
-                    <a:latin typeface="Cambria Math" panose="02040503050406030204" pitchFamily="18" charset="0"/>
-                  </a:rPr>
-                  <m:t>(</m:t>
-                </m:r>
-                <m:sSup>
-                  <m:e>
-                    <m:r>
-                      <a:rPr xmlns:a="http://schemas.openxmlformats.org/drawingml/2006/main" sz="3050" i="1">
-                        <a:solidFill>
-                          <a:srgbClr val="364182"/>
-                        </a:solidFill>
-                        <a:latin typeface="Cambria Math" panose="02040503050406030204" pitchFamily="18" charset="0"/>
-                      </a:rPr>
-                      <m:t>n</m:t>
-                    </m:r>
-                  </m:e>
-                  <m:sup>
-                    <m:r>
-                      <a:rPr xmlns:a="http://schemas.openxmlformats.org/drawingml/2006/main" sz="3050" i="1">
-                        <a:solidFill>
-                          <a:srgbClr val="364182"/>
-                        </a:solidFill>
-                        <a:latin typeface="Cambria Math" panose="02040503050406030204" pitchFamily="18" charset="0"/>
-                      </a:rPr>
-                      <m:t>2</m:t>
-                    </m:r>
-                  </m:sup>
-                </m:sSup>
-                <m:r>
-                  <a:rPr xmlns:a="http://schemas.openxmlformats.org/drawingml/2006/main" sz="3050" i="1">
-                    <a:solidFill>
-                      <a:srgbClr val="364182"/>
-                    </a:solidFill>
-                    <a:latin typeface="Cambria Math" panose="02040503050406030204" pitchFamily="18" charset="0"/>
-                  </a:rPr>
-                  <m:t>)</m:t>
-                </m:r>
-              </m:oMath>
-            </a14:m>
-            <a:r>
-              <a:t> 的复杂度，可以通过这道题。</a:t>
+          </a:p>
+          <a:p>
+            <a:pPr>
+              <a:spcBef>
+                <a:spcPts val="400"/>
+              </a:spcBef>
+              <a:defRPr spc="85" sz="2600">
+                <a:solidFill>
+                  <a:srgbClr val="364182"/>
+                </a:solidFill>
+                <a:latin typeface="微软雅黑 Light"/>
+                <a:ea typeface="微软雅黑 Light"/>
+                <a:cs typeface="微软雅黑 Light"/>
+                <a:sym typeface="微软雅黑 Light"/>
+              </a:defRPr>
+            </a:pPr>
+            <a:r>
+              <a:t>对于每一种字母，有每次插入 / 删除的代价。</a:t>
+            </a:r>
+          </a:p>
+          <a:p>
+            <a:pPr>
+              <a:spcBef>
+                <a:spcPts val="400"/>
+              </a:spcBef>
+              <a:defRPr spc="85" sz="2600">
+                <a:solidFill>
+                  <a:srgbClr val="364182"/>
+                </a:solidFill>
+                <a:latin typeface="微软雅黑 Light"/>
+                <a:ea typeface="微软雅黑 Light"/>
+                <a:cs typeface="微软雅黑 Light"/>
+                <a:sym typeface="微软雅黑 Light"/>
+              </a:defRPr>
+            </a:pPr>
+          </a:p>
+          <a:p>
+            <a:pPr>
+              <a:spcBef>
+                <a:spcPts val="400"/>
+              </a:spcBef>
+              <a:defRPr spc="85" sz="2600">
+                <a:solidFill>
+                  <a:srgbClr val="364182"/>
+                </a:solidFill>
+                <a:latin typeface="微软雅黑 Light"/>
+                <a:ea typeface="微软雅黑 Light"/>
+                <a:cs typeface="微软雅黑 Light"/>
+                <a:sym typeface="微软雅黑 Light"/>
+              </a:defRPr>
+            </a:pPr>
+            <a:r>
+              <a:t>求最小的代价。</a:t>
             </a:r>
           </a:p>
         </p:txBody>
@@ -5446,6 +5439,102 @@
                       </p:childTnLst>
                     </p:cTn>
                   </p:par>
+                  <p:par>
+                    <p:cTn id="29" fill="hold">
+                      <p:stCondLst>
+                        <p:cond delay="indefinite"/>
+                      </p:stCondLst>
+                      <p:childTnLst>
+                        <p:par>
+                          <p:cTn id="30" fill="hold">
+                            <p:stCondLst>
+                              <p:cond delay="0"/>
+                            </p:stCondLst>
+                            <p:childTnLst>
+                              <p:par>
+                                <p:cTn id="31" presetClass="entr" nodeType="clickEffect" presetSubtype="0" presetID="1" grpId="1" fill="hold">
+                                  <p:stCondLst>
+                                    <p:cond delay="0"/>
+                                  </p:stCondLst>
+                                  <p:iterate type="el" backwards="0">
+                                    <p:tmAbs val="0"/>
+                                  </p:iterate>
+                                  <p:childTnLst>
+                                    <p:set>
+                                      <p:cBhvr>
+                                        <p:cTn id="32" fill="hold"/>
+                                        <p:tgtEl>
+                                          <p:spTgt spid="184">
+                                            <p:txEl>
+                                              <p:pRg st="6" end="6"/>
+                                            </p:txEl>
+                                          </p:spTgt>
+                                        </p:tgtEl>
+                                        <p:attrNameLst>
+                                          <p:attrName>style.visibility</p:attrName>
+                                        </p:attrNameLst>
+                                      </p:cBhvr>
+                                      <p:to>
+                                        <p:strVal val="visible"/>
+                                      </p:to>
+                                    </p:set>
+                                  </p:childTnLst>
+                                </p:cTn>
+                              </p:par>
+                            </p:childTnLst>
+                          </p:cTn>
+                        </p:par>
+                      </p:childTnLst>
+                    </p:cTn>
+                  </p:par>
+                  <p:par>
+                    <p:cTn id="33" fill="hold">
+                      <p:stCondLst>
+                        <p:cond delay="indefinite"/>
+                      </p:stCondLst>
+                      <p:childTnLst>
+                        <p:par>
+                          <p:cTn id="34" fill="hold">
+                            <p:stCondLst>
+                              <p:cond delay="0"/>
+                            </p:stCondLst>
+                            <p:childTnLst>
+                              <p:par>
+                                <p:cTn id="35" presetClass="entr" nodeType="clickEffect" presetSubtype="0" presetID="1" grpId="1" fill="hold">
+                                  <p:stCondLst>
+                                    <p:cond delay="0"/>
+                                  </p:stCondLst>
+                                  <p:iterate type="el" backwards="0">
+                                    <p:tmAbs val="0"/>
+                                  </p:iterate>
+                                  <p:childTnLst>
+                                    <p:set>
+                                      <p:cBhvr>
+                                        <p:cTn id="36" fill="hold"/>
+                                        <p:tgtEl>
+                                          <p:spTgt spid="184">
+                                            <p:txEl>
+                                              <p:pRg st="7" end="7"/>
+                                            </p:txEl>
+                                          </p:spTgt>
+                                        </p:tgtEl>
+                                        <p:attrNameLst>
+                                          <p:attrName>style.visibility</p:attrName>
+                                        </p:attrNameLst>
+                                      </p:cBhvr>
+                                      <p:to>
+                                        <p:strVal val="visible"/>
+                                      </p:to>
+                                    </p:set>
+                                  </p:childTnLst>
+                                </p:cTn>
+                              </p:par>
+                            </p:childTnLst>
+                          </p:cTn>
+                        </p:par>
+                      </p:childTnLst>
+                    </p:cTn>
+                  </p:par>
                 </p:childTnLst>
               </p:cTn>
               <p:prevCondLst>
@@ -5748,7 +5837,2065 @@
       </p:grpSp>
       <p:sp>
         <p:nvSpPr>
-          <p:cNvPr id="195" name="文本框 15"/>
+          <p:cNvPr id="195" name="cabadc"/>
+          <p:cNvSpPr txBox="1"/>
+          <p:nvPr/>
+        </p:nvSpPr>
+        <p:spPr>
+          <a:xfrm>
+            <a:off x="5020116" y="1413591"/>
+            <a:ext cx="2151768" cy="853441"/>
+          </a:xfrm>
+          <a:prstGeom prst="rect">
+            <a:avLst/>
+          </a:prstGeom>
+          <a:ln w="12700">
+            <a:miter lim="400000"/>
+          </a:ln>
+          <a:extLst>
+            <a:ext uri="{C572A759-6A51-4108-AA02-DFA0A04FC94B}">
+              <ma14:wrappingTextBoxFlag xmlns:ma14="http://schemas.microsoft.com/office/mac/drawingml/2011/main" val="1"/>
+            </a:ext>
+          </a:extLst>
+        </p:spPr>
+        <p:txBody>
+          <a:bodyPr wrap="none" lIns="45719" rIns="45719">
+            <a:spAutoFit/>
+          </a:bodyPr>
+          <a:lstStyle>
+            <a:lvl1pPr>
+              <a:defRPr sz="5000"/>
+            </a:lvl1pPr>
+          </a:lstStyle>
+          <a:p>
+            <a:pPr/>
+            <a:r>
+              <a:t>cabadc</a:t>
+            </a:r>
+          </a:p>
+        </p:txBody>
+      </p:sp>
+      <p:graphicFrame>
+        <p:nvGraphicFramePr>
+          <p:cNvPr id="196" name="Table"/>
+          <p:cNvGraphicFramePr/>
+          <p:nvPr/>
+        </p:nvGraphicFramePr>
+        <p:xfrm>
+          <a:off x="1137801" y="3408204"/>
+          <a:ext cx="1633231" cy="2584752"/>
+        </p:xfrm>
+        <a:graphic xmlns:a="http://schemas.openxmlformats.org/drawingml/2006/main">
+          <a:graphicData uri="http://schemas.openxmlformats.org/drawingml/2006/table">
+            <a:tbl>
+              <a:tblPr firstCol="1" firstRow="1" lastCol="0" lastRow="0" bandCol="0" bandRow="1" rtl="0">
+                <a:tableStyleId>{4C3C2611-4C71-4FC5-86AE-919BDF0F9419}</a:tableStyleId>
+              </a:tblPr>
+              <a:tblGrid>
+                <a:gridCol w="540176"/>
+                <a:gridCol w="540176"/>
+                <a:gridCol w="540176"/>
+              </a:tblGrid>
+              <a:tr h="514410">
+                <a:tc>
+                  <a:txBody>
+                    <a:bodyPr/>
+                    <a:lstStyle/>
+                    <a:p>
+                      <a:pPr algn="ctr">
+                        <a:defRPr b="0" sz="1800">
+                          <a:solidFill>
+                            <a:srgbClr val="000000"/>
+                          </a:solidFill>
+                        </a:defRPr>
+                      </a:pPr>
+                      <a:r>
+                        <a:rPr b="1" sz="1600">
+                          <a:solidFill>
+                            <a:srgbClr val="FFFFFF"/>
+                          </a:solidFill>
+                        </a:rPr>
+                        <a:t>代价</a:t>
+                      </a:r>
+                    </a:p>
+                  </a:txBody>
+                  <a:tcPr marL="0" marR="0" marT="0" marB="0" anchor="ctr" anchorCtr="0" horzOverflow="overflow"/>
+                </a:tc>
+                <a:tc>
+                  <a:txBody>
+                    <a:bodyPr/>
+                    <a:lstStyle/>
+                    <a:p>
+                      <a:pPr algn="ctr">
+                        <a:defRPr b="0" sz="1800">
+                          <a:solidFill>
+                            <a:srgbClr val="000000"/>
+                          </a:solidFill>
+                        </a:defRPr>
+                      </a:pPr>
+                      <a:r>
+                        <a:rPr b="1" sz="1600">
+                          <a:solidFill>
+                            <a:srgbClr val="FFFFFF"/>
+                          </a:solidFill>
+                        </a:rPr>
+                        <a:t>插入</a:t>
+                      </a:r>
+                    </a:p>
+                  </a:txBody>
+                  <a:tcPr marL="0" marR="0" marT="0" marB="0" anchor="ctr" anchorCtr="0" horzOverflow="overflow"/>
+                </a:tc>
+                <a:tc>
+                  <a:txBody>
+                    <a:bodyPr/>
+                    <a:lstStyle/>
+                    <a:p>
+                      <a:pPr algn="ctr">
+                        <a:defRPr b="0" sz="1800">
+                          <a:solidFill>
+                            <a:srgbClr val="000000"/>
+                          </a:solidFill>
+                        </a:defRPr>
+                      </a:pPr>
+                      <a:r>
+                        <a:rPr b="1" sz="1600">
+                          <a:solidFill>
+                            <a:srgbClr val="FFFFFF"/>
+                          </a:solidFill>
+                        </a:rPr>
+                        <a:t>删除</a:t>
+                      </a:r>
+                    </a:p>
+                  </a:txBody>
+                  <a:tcPr marL="0" marR="0" marT="0" marB="0" anchor="ctr" anchorCtr="0" horzOverflow="overflow"/>
+                </a:tc>
+              </a:tr>
+              <a:tr h="514410">
+                <a:tc>
+                  <a:txBody>
+                    <a:bodyPr/>
+                    <a:lstStyle/>
+                    <a:p>
+                      <a:pPr algn="ctr">
+                        <a:defRPr b="0" sz="1800">
+                          <a:solidFill>
+                            <a:srgbClr val="000000"/>
+                          </a:solidFill>
+                        </a:defRPr>
+                      </a:pPr>
+                      <a:r>
+                        <a:rPr b="1" sz="1600">
+                          <a:solidFill>
+                            <a:srgbClr val="FFFFFF"/>
+                          </a:solidFill>
+                        </a:rPr>
+                        <a:t>a</a:t>
+                      </a:r>
+                    </a:p>
+                  </a:txBody>
+                  <a:tcPr marL="0" marR="0" marT="0" marB="0" anchor="ctr" anchorCtr="0" horzOverflow="overflow"/>
+                </a:tc>
+                <a:tc>
+                  <a:txBody>
+                    <a:bodyPr/>
+                    <a:lstStyle/>
+                    <a:p>
+                      <a:pPr algn="ctr">
+                        <a:defRPr sz="1800"/>
+                      </a:pPr>
+                      <a:r>
+                        <a:rPr sz="1600"/>
+                        <a:t>80</a:t>
+                      </a:r>
+                    </a:p>
+                  </a:txBody>
+                  <a:tcPr marL="0" marR="0" marT="0" marB="0" anchor="ctr" anchorCtr="0" horzOverflow="overflow"/>
+                </a:tc>
+                <a:tc>
+                  <a:txBody>
+                    <a:bodyPr/>
+                    <a:lstStyle/>
+                    <a:p>
+                      <a:pPr algn="ctr">
+                        <a:defRPr sz="1800"/>
+                      </a:pPr>
+                      <a:r>
+                        <a:rPr sz="1600"/>
+                        <a:t>70</a:t>
+                      </a:r>
+                    </a:p>
+                  </a:txBody>
+                  <a:tcPr marL="0" marR="0" marT="0" marB="0" anchor="ctr" anchorCtr="0" horzOverflow="overflow"/>
+                </a:tc>
+              </a:tr>
+              <a:tr h="514410">
+                <a:tc>
+                  <a:txBody>
+                    <a:bodyPr/>
+                    <a:lstStyle/>
+                    <a:p>
+                      <a:pPr algn="ctr">
+                        <a:defRPr b="0" sz="1800">
+                          <a:solidFill>
+                            <a:srgbClr val="000000"/>
+                          </a:solidFill>
+                        </a:defRPr>
+                      </a:pPr>
+                      <a:r>
+                        <a:rPr b="1" sz="1600">
+                          <a:solidFill>
+                            <a:srgbClr val="FFFFFF"/>
+                          </a:solidFill>
+                        </a:rPr>
+                        <a:t>b</a:t>
+                      </a:r>
+                    </a:p>
+                  </a:txBody>
+                  <a:tcPr marL="0" marR="0" marT="0" marB="0" anchor="ctr" anchorCtr="0" horzOverflow="overflow"/>
+                </a:tc>
+                <a:tc>
+                  <a:txBody>
+                    <a:bodyPr/>
+                    <a:lstStyle/>
+                    <a:p>
+                      <a:pPr algn="ctr">
+                        <a:defRPr sz="1800"/>
+                      </a:pPr>
+                      <a:r>
+                        <a:rPr sz="1600"/>
+                        <a:t>100</a:t>
+                      </a:r>
+                    </a:p>
+                  </a:txBody>
+                  <a:tcPr marL="0" marR="0" marT="0" marB="0" anchor="ctr" anchorCtr="0" horzOverflow="overflow"/>
+                </a:tc>
+                <a:tc>
+                  <a:txBody>
+                    <a:bodyPr/>
+                    <a:lstStyle/>
+                    <a:p>
+                      <a:pPr algn="ctr">
+                        <a:defRPr sz="1800"/>
+                      </a:pPr>
+                      <a:r>
+                        <a:rPr sz="1600"/>
+                        <a:t>55</a:t>
+                      </a:r>
+                    </a:p>
+                  </a:txBody>
+                  <a:tcPr marL="0" marR="0" marT="0" marB="0" anchor="ctr" anchorCtr="0" horzOverflow="overflow"/>
+                </a:tc>
+              </a:tr>
+              <a:tr h="514410">
+                <a:tc>
+                  <a:txBody>
+                    <a:bodyPr/>
+                    <a:lstStyle/>
+                    <a:p>
+                      <a:pPr algn="ctr">
+                        <a:defRPr b="0" sz="1800">
+                          <a:solidFill>
+                            <a:srgbClr val="000000"/>
+                          </a:solidFill>
+                        </a:defRPr>
+                      </a:pPr>
+                      <a:r>
+                        <a:rPr b="1" sz="1600">
+                          <a:solidFill>
+                            <a:srgbClr val="FFFFFF"/>
+                          </a:solidFill>
+                        </a:rPr>
+                        <a:t>c</a:t>
+                      </a:r>
+                    </a:p>
+                  </a:txBody>
+                  <a:tcPr marL="0" marR="0" marT="0" marB="0" anchor="ctr" anchorCtr="0" horzOverflow="overflow"/>
+                </a:tc>
+                <a:tc>
+                  <a:txBody>
+                    <a:bodyPr/>
+                    <a:lstStyle/>
+                    <a:p>
+                      <a:pPr algn="ctr">
+                        <a:defRPr sz="1800"/>
+                      </a:pPr>
+                      <a:r>
+                        <a:rPr sz="1600"/>
+                        <a:t>90</a:t>
+                      </a:r>
+                    </a:p>
+                  </a:txBody>
+                  <a:tcPr marL="0" marR="0" marT="0" marB="0" anchor="ctr" anchorCtr="0" horzOverflow="overflow"/>
+                </a:tc>
+                <a:tc>
+                  <a:txBody>
+                    <a:bodyPr/>
+                    <a:lstStyle/>
+                    <a:p>
+                      <a:pPr algn="ctr">
+                        <a:defRPr sz="1800"/>
+                      </a:pPr>
+                      <a:r>
+                        <a:rPr sz="1600"/>
+                        <a:t>35</a:t>
+                      </a:r>
+                    </a:p>
+                  </a:txBody>
+                  <a:tcPr marL="0" marR="0" marT="0" marB="0" anchor="ctr" anchorCtr="0" horzOverflow="overflow"/>
+                </a:tc>
+              </a:tr>
+              <a:tr h="514410">
+                <a:tc>
+                  <a:txBody>
+                    <a:bodyPr/>
+                    <a:lstStyle/>
+                    <a:p>
+                      <a:pPr algn="ctr">
+                        <a:defRPr b="0" sz="1800">
+                          <a:solidFill>
+                            <a:srgbClr val="000000"/>
+                          </a:solidFill>
+                        </a:defRPr>
+                      </a:pPr>
+                      <a:r>
+                        <a:rPr b="1" sz="1600">
+                          <a:solidFill>
+                            <a:srgbClr val="FFFFFF"/>
+                          </a:solidFill>
+                        </a:rPr>
+                        <a:t>d</a:t>
+                      </a:r>
+                    </a:p>
+                  </a:txBody>
+                  <a:tcPr marL="0" marR="0" marT="0" marB="0" anchor="ctr" anchorCtr="0" horzOverflow="overflow"/>
+                </a:tc>
+                <a:tc>
+                  <a:txBody>
+                    <a:bodyPr/>
+                    <a:lstStyle/>
+                    <a:p>
+                      <a:pPr algn="ctr">
+                        <a:defRPr sz="1800"/>
+                      </a:pPr>
+                      <a:r>
+                        <a:rPr sz="1600"/>
+                        <a:t>110</a:t>
+                      </a:r>
+                    </a:p>
+                  </a:txBody>
+                  <a:tcPr marL="0" marR="0" marT="0" marB="0" anchor="ctr" anchorCtr="0" horzOverflow="overflow"/>
+                </a:tc>
+                <a:tc>
+                  <a:txBody>
+                    <a:bodyPr/>
+                    <a:lstStyle/>
+                    <a:p>
+                      <a:pPr algn="ctr">
+                        <a:defRPr sz="1800"/>
+                      </a:pPr>
+                      <a:r>
+                        <a:rPr sz="1600"/>
+                        <a:t>130</a:t>
+                      </a:r>
+                    </a:p>
+                  </a:txBody>
+                  <a:tcPr marL="0" marR="0" marT="0" marB="0" anchor="ctr" anchorCtr="0" horzOverflow="overflow"/>
+                </a:tc>
+              </a:tr>
+            </a:tbl>
+          </a:graphicData>
+        </a:graphic>
+      </p:graphicFrame>
+      <p:sp>
+        <p:nvSpPr>
+          <p:cNvPr id="197" name="删去 d：代价 110"/>
+          <p:cNvSpPr txBox="1"/>
+          <p:nvPr/>
+        </p:nvSpPr>
+        <p:spPr>
+          <a:xfrm>
+            <a:off x="3647826" y="3077619"/>
+            <a:ext cx="1865856" cy="408941"/>
+          </a:xfrm>
+          <a:prstGeom prst="rect">
+            <a:avLst/>
+          </a:prstGeom>
+          <a:ln w="12700">
+            <a:miter lim="400000"/>
+          </a:ln>
+          <a:extLst>
+            <a:ext uri="{C572A759-6A51-4108-AA02-DFA0A04FC94B}">
+              <ma14:wrappingTextBoxFlag xmlns:ma14="http://schemas.microsoft.com/office/mac/drawingml/2011/main" val="1"/>
+            </a:ext>
+          </a:extLst>
+        </p:spPr>
+        <p:txBody>
+          <a:bodyPr wrap="none" lIns="45719" rIns="45719">
+            <a:spAutoFit/>
+          </a:bodyPr>
+          <a:lstStyle/>
+          <a:p>
+            <a:pPr/>
+            <a:r>
+              <a:t>删去 d：代价 110</a:t>
+            </a:r>
+          </a:p>
+        </p:txBody>
+      </p:sp>
+      <p:sp>
+        <p:nvSpPr>
+          <p:cNvPr id="198" name="cabac"/>
+          <p:cNvSpPr txBox="1"/>
+          <p:nvPr/>
+        </p:nvSpPr>
+        <p:spPr>
+          <a:xfrm>
+            <a:off x="3935619" y="3667656"/>
+            <a:ext cx="1290270" cy="624841"/>
+          </a:xfrm>
+          <a:prstGeom prst="rect">
+            <a:avLst/>
+          </a:prstGeom>
+          <a:ln w="12700">
+            <a:miter lim="400000"/>
+          </a:ln>
+          <a:extLst>
+            <a:ext uri="{C572A759-6A51-4108-AA02-DFA0A04FC94B}">
+              <ma14:wrappingTextBoxFlag xmlns:ma14="http://schemas.microsoft.com/office/mac/drawingml/2011/main" val="1"/>
+            </a:ext>
+          </a:extLst>
+        </p:spPr>
+        <p:txBody>
+          <a:bodyPr wrap="none" lIns="45719" rIns="45719">
+            <a:spAutoFit/>
+          </a:bodyPr>
+          <a:lstStyle>
+            <a:lvl1pPr>
+              <a:defRPr sz="3500"/>
+            </a:lvl1pPr>
+          </a:lstStyle>
+          <a:p>
+            <a:pPr/>
+            <a:r>
+              <a:t>cabac</a:t>
+            </a:r>
+          </a:p>
+        </p:txBody>
+      </p:sp>
+      <p:sp>
+        <p:nvSpPr>
+          <p:cNvPr id="199" name="插入 d：代价 130"/>
+          <p:cNvSpPr txBox="1"/>
+          <p:nvPr/>
+        </p:nvSpPr>
+        <p:spPr>
+          <a:xfrm>
+            <a:off x="6139551" y="3077619"/>
+            <a:ext cx="1882711" cy="408941"/>
+          </a:xfrm>
+          <a:prstGeom prst="rect">
+            <a:avLst/>
+          </a:prstGeom>
+          <a:ln w="12700">
+            <a:miter lim="400000"/>
+          </a:ln>
+          <a:extLst>
+            <a:ext uri="{C572A759-6A51-4108-AA02-DFA0A04FC94B}">
+              <ma14:wrappingTextBoxFlag xmlns:ma14="http://schemas.microsoft.com/office/mac/drawingml/2011/main" val="1"/>
+            </a:ext>
+          </a:extLst>
+        </p:spPr>
+        <p:txBody>
+          <a:bodyPr wrap="none" lIns="45719" rIns="45719">
+            <a:spAutoFit/>
+          </a:bodyPr>
+          <a:lstStyle/>
+          <a:p>
+            <a:pPr/>
+            <a:r>
+              <a:t>插入 d：代价 130</a:t>
+            </a:r>
+          </a:p>
+        </p:txBody>
+      </p:sp>
+      <p:sp>
+        <p:nvSpPr>
+          <p:cNvPr id="200" name="cdabadc"/>
+          <p:cNvSpPr txBox="1"/>
+          <p:nvPr/>
+        </p:nvSpPr>
+        <p:spPr>
+          <a:xfrm>
+            <a:off x="6188562" y="3667656"/>
+            <a:ext cx="1784689" cy="624841"/>
+          </a:xfrm>
+          <a:prstGeom prst="rect">
+            <a:avLst/>
+          </a:prstGeom>
+          <a:ln w="12700">
+            <a:miter lim="400000"/>
+          </a:ln>
+          <a:extLst>
+            <a:ext uri="{C572A759-6A51-4108-AA02-DFA0A04FC94B}">
+              <ma14:wrappingTextBoxFlag xmlns:ma14="http://schemas.microsoft.com/office/mac/drawingml/2011/main" val="1"/>
+            </a:ext>
+          </a:extLst>
+        </p:spPr>
+        <p:txBody>
+          <a:bodyPr wrap="none" lIns="45719" rIns="45719">
+            <a:spAutoFit/>
+          </a:bodyPr>
+          <a:lstStyle>
+            <a:lvl1pPr>
+              <a:defRPr sz="3500"/>
+            </a:lvl1pPr>
+          </a:lstStyle>
+          <a:p>
+            <a:pPr/>
+            <a:r>
+              <a:t>cdabadc</a:t>
+            </a:r>
+          </a:p>
+        </p:txBody>
+      </p:sp>
+      <p:sp>
+        <p:nvSpPr>
+          <p:cNvPr id="201" name="删去 b、d：代价 185"/>
+          <p:cNvSpPr txBox="1"/>
+          <p:nvPr/>
+        </p:nvSpPr>
+        <p:spPr>
+          <a:xfrm>
+            <a:off x="8935924" y="3077619"/>
+            <a:ext cx="2238448" cy="408941"/>
+          </a:xfrm>
+          <a:prstGeom prst="rect">
+            <a:avLst/>
+          </a:prstGeom>
+          <a:ln w="12700">
+            <a:miter lim="400000"/>
+          </a:ln>
+          <a:extLst>
+            <a:ext uri="{C572A759-6A51-4108-AA02-DFA0A04FC94B}">
+              <ma14:wrappingTextBoxFlag xmlns:ma14="http://schemas.microsoft.com/office/mac/drawingml/2011/main" val="1"/>
+            </a:ext>
+          </a:extLst>
+        </p:spPr>
+        <p:txBody>
+          <a:bodyPr wrap="none" lIns="45719" rIns="45719">
+            <a:spAutoFit/>
+          </a:bodyPr>
+          <a:lstStyle/>
+          <a:p>
+            <a:pPr/>
+            <a:r>
+              <a:t>删去 b、d：代价 185</a:t>
+            </a:r>
+          </a:p>
+        </p:txBody>
+      </p:sp>
+      <p:sp>
+        <p:nvSpPr>
+          <p:cNvPr id="202" name="caac"/>
+          <p:cNvSpPr txBox="1"/>
+          <p:nvPr/>
+        </p:nvSpPr>
+        <p:spPr>
+          <a:xfrm>
+            <a:off x="9533618" y="3667656"/>
+            <a:ext cx="1043060" cy="624841"/>
+          </a:xfrm>
+          <a:prstGeom prst="rect">
+            <a:avLst/>
+          </a:prstGeom>
+          <a:ln w="12700">
+            <a:miter lim="400000"/>
+          </a:ln>
+          <a:extLst>
+            <a:ext uri="{C572A759-6A51-4108-AA02-DFA0A04FC94B}">
+              <ma14:wrappingTextBoxFlag xmlns:ma14="http://schemas.microsoft.com/office/mac/drawingml/2011/main" val="1"/>
+            </a:ext>
+          </a:extLst>
+        </p:spPr>
+        <p:txBody>
+          <a:bodyPr wrap="none" lIns="45719" rIns="45719">
+            <a:spAutoFit/>
+          </a:bodyPr>
+          <a:lstStyle>
+            <a:lvl1pPr>
+              <a:defRPr sz="3500"/>
+            </a:lvl1pPr>
+          </a:lstStyle>
+          <a:p>
+            <a:pPr/>
+            <a:r>
+              <a:t>caac</a:t>
+            </a:r>
+          </a:p>
+        </p:txBody>
+      </p:sp>
+    </p:spTree>
+  </p:cSld>
+  <p:clrMapOvr>
+    <a:masterClrMapping/>
+  </p:clrMapOvr>
+  <p:transition xmlns:p14="http://schemas.microsoft.com/office/powerpoint/2010/main" spd="med" advClick="1"/>
+  <p:timing>
+    <p:tnLst>
+      <p:par>
+        <p:cTn id="1" nodeType="tmRoot" restart="never" dur="indefinite" fill="hold">
+          <p:childTnLst>
+            <p:seq concurrent="1" prevAc="none" nextAc="seek">
+              <p:cTn id="2" nodeType="mainSeq" dur="indefinite" fill="hold">
+                <p:childTnLst>
+                  <p:par>
+                    <p:cTn id="3" fill="hold">
+                      <p:stCondLst>
+                        <p:cond delay="indefinite"/>
+                      </p:stCondLst>
+                      <p:childTnLst>
+                        <p:par>
+                          <p:cTn id="4" fill="hold">
+                            <p:stCondLst>
+                              <p:cond delay="0"/>
+                            </p:stCondLst>
+                            <p:childTnLst>
+                              <p:par>
+                                <p:cTn id="5" presetClass="entr" nodeType="clickEffect" presetSubtype="0" presetID="1" grpId="1" fill="hold">
+                                  <p:stCondLst>
+                                    <p:cond delay="0"/>
+                                  </p:stCondLst>
+                                  <p:iterate type="el" backwards="0">
+                                    <p:tmAbs val="0"/>
+                                  </p:iterate>
+                                  <p:childTnLst>
+                                    <p:set>
+                                      <p:cBhvr>
+                                        <p:cTn id="6" fill="hold"/>
+                                        <p:tgtEl>
+                                          <p:spTgt spid="195"/>
+                                        </p:tgtEl>
+                                        <p:attrNameLst>
+                                          <p:attrName>style.visibility</p:attrName>
+                                        </p:attrNameLst>
+                                      </p:cBhvr>
+                                      <p:to>
+                                        <p:strVal val="visible"/>
+                                      </p:to>
+                                    </p:set>
+                                  </p:childTnLst>
+                                </p:cTn>
+                              </p:par>
+                            </p:childTnLst>
+                          </p:cTn>
+                        </p:par>
+                      </p:childTnLst>
+                    </p:cTn>
+                  </p:par>
+                  <p:par>
+                    <p:cTn id="7" fill="hold">
+                      <p:stCondLst>
+                        <p:cond delay="indefinite"/>
+                      </p:stCondLst>
+                      <p:childTnLst>
+                        <p:par>
+                          <p:cTn id="8" fill="hold">
+                            <p:stCondLst>
+                              <p:cond delay="0"/>
+                            </p:stCondLst>
+                            <p:childTnLst>
+                              <p:par>
+                                <p:cTn id="9" presetClass="entr" nodeType="clickEffect" presetSubtype="0" presetID="1" grpId="2" fill="hold">
+                                  <p:stCondLst>
+                                    <p:cond delay="0"/>
+                                  </p:stCondLst>
+                                  <p:iterate type="el" backwards="0">
+                                    <p:tmAbs val="0"/>
+                                  </p:iterate>
+                                  <p:childTnLst>
+                                    <p:set>
+                                      <p:cBhvr>
+                                        <p:cTn id="10" fill="hold"/>
+                                        <p:tgtEl>
+                                          <p:spTgt spid="196"/>
+                                        </p:tgtEl>
+                                        <p:attrNameLst>
+                                          <p:attrName>style.visibility</p:attrName>
+                                        </p:attrNameLst>
+                                      </p:cBhvr>
+                                      <p:to>
+                                        <p:strVal val="visible"/>
+                                      </p:to>
+                                    </p:set>
+                                  </p:childTnLst>
+                                </p:cTn>
+                              </p:par>
+                            </p:childTnLst>
+                          </p:cTn>
+                        </p:par>
+                      </p:childTnLst>
+                    </p:cTn>
+                  </p:par>
+                  <p:par>
+                    <p:cTn id="11" fill="hold">
+                      <p:stCondLst>
+                        <p:cond delay="indefinite"/>
+                      </p:stCondLst>
+                      <p:childTnLst>
+                        <p:par>
+                          <p:cTn id="12" fill="hold">
+                            <p:stCondLst>
+                              <p:cond delay="0"/>
+                            </p:stCondLst>
+                            <p:childTnLst>
+                              <p:par>
+                                <p:cTn id="13" presetClass="entr" nodeType="clickEffect" presetSubtype="0" presetID="1" grpId="3" fill="hold">
+                                  <p:stCondLst>
+                                    <p:cond delay="0"/>
+                                  </p:stCondLst>
+                                  <p:iterate type="el" backwards="0">
+                                    <p:tmAbs val="0"/>
+                                  </p:iterate>
+                                  <p:childTnLst>
+                                    <p:set>
+                                      <p:cBhvr>
+                                        <p:cTn id="14" fill="hold"/>
+                                        <p:tgtEl>
+                                          <p:spTgt spid="197"/>
+                                        </p:tgtEl>
+                                        <p:attrNameLst>
+                                          <p:attrName>style.visibility</p:attrName>
+                                        </p:attrNameLst>
+                                      </p:cBhvr>
+                                      <p:to>
+                                        <p:strVal val="visible"/>
+                                      </p:to>
+                                    </p:set>
+                                  </p:childTnLst>
+                                </p:cTn>
+                              </p:par>
+                            </p:childTnLst>
+                          </p:cTn>
+                        </p:par>
+                        <p:par>
+                          <p:cTn id="15" fill="hold">
+                            <p:stCondLst>
+                              <p:cond delay="0"/>
+                            </p:stCondLst>
+                            <p:childTnLst>
+                              <p:par>
+                                <p:cTn id="16" presetClass="entr" nodeType="afterEffect" presetSubtype="0" presetID="1" grpId="4" fill="hold">
+                                  <p:stCondLst>
+                                    <p:cond delay="0"/>
+                                  </p:stCondLst>
+                                  <p:iterate type="el" backwards="0">
+                                    <p:tmAbs val="0"/>
+                                  </p:iterate>
+                                  <p:childTnLst>
+                                    <p:set>
+                                      <p:cBhvr>
+                                        <p:cTn id="17" fill="hold"/>
+                                        <p:tgtEl>
+                                          <p:spTgt spid="198"/>
+                                        </p:tgtEl>
+                                        <p:attrNameLst>
+                                          <p:attrName>style.visibility</p:attrName>
+                                        </p:attrNameLst>
+                                      </p:cBhvr>
+                                      <p:to>
+                                        <p:strVal val="visible"/>
+                                      </p:to>
+                                    </p:set>
+                                  </p:childTnLst>
+                                </p:cTn>
+                              </p:par>
+                            </p:childTnLst>
+                          </p:cTn>
+                        </p:par>
+                      </p:childTnLst>
+                    </p:cTn>
+                  </p:par>
+                  <p:par>
+                    <p:cTn id="18" fill="hold">
+                      <p:stCondLst>
+                        <p:cond delay="indefinite"/>
+                      </p:stCondLst>
+                      <p:childTnLst>
+                        <p:par>
+                          <p:cTn id="19" fill="hold">
+                            <p:stCondLst>
+                              <p:cond delay="0"/>
+                            </p:stCondLst>
+                            <p:childTnLst>
+                              <p:par>
+                                <p:cTn id="20" presetClass="entr" nodeType="clickEffect" presetSubtype="0" presetID="1" grpId="5" fill="hold">
+                                  <p:stCondLst>
+                                    <p:cond delay="0"/>
+                                  </p:stCondLst>
+                                  <p:iterate type="el" backwards="0">
+                                    <p:tmAbs val="0"/>
+                                  </p:iterate>
+                                  <p:childTnLst>
+                                    <p:set>
+                                      <p:cBhvr>
+                                        <p:cTn id="21" fill="hold"/>
+                                        <p:tgtEl>
+                                          <p:spTgt spid="199"/>
+                                        </p:tgtEl>
+                                        <p:attrNameLst>
+                                          <p:attrName>style.visibility</p:attrName>
+                                        </p:attrNameLst>
+                                      </p:cBhvr>
+                                      <p:to>
+                                        <p:strVal val="visible"/>
+                                      </p:to>
+                                    </p:set>
+                                  </p:childTnLst>
+                                </p:cTn>
+                              </p:par>
+                            </p:childTnLst>
+                          </p:cTn>
+                        </p:par>
+                        <p:par>
+                          <p:cTn id="22" fill="hold">
+                            <p:stCondLst>
+                              <p:cond delay="0"/>
+                            </p:stCondLst>
+                            <p:childTnLst>
+                              <p:par>
+                                <p:cTn id="23" presetClass="entr" nodeType="afterEffect" presetSubtype="0" presetID="1" grpId="6" fill="hold">
+                                  <p:stCondLst>
+                                    <p:cond delay="0"/>
+                                  </p:stCondLst>
+                                  <p:iterate type="el" backwards="0">
+                                    <p:tmAbs val="0"/>
+                                  </p:iterate>
+                                  <p:childTnLst>
+                                    <p:set>
+                                      <p:cBhvr>
+                                        <p:cTn id="24" fill="hold"/>
+                                        <p:tgtEl>
+                                          <p:spTgt spid="200"/>
+                                        </p:tgtEl>
+                                        <p:attrNameLst>
+                                          <p:attrName>style.visibility</p:attrName>
+                                        </p:attrNameLst>
+                                      </p:cBhvr>
+                                      <p:to>
+                                        <p:strVal val="visible"/>
+                                      </p:to>
+                                    </p:set>
+                                  </p:childTnLst>
+                                </p:cTn>
+                              </p:par>
+                            </p:childTnLst>
+                          </p:cTn>
+                        </p:par>
+                      </p:childTnLst>
+                    </p:cTn>
+                  </p:par>
+                  <p:par>
+                    <p:cTn id="25" fill="hold">
+                      <p:stCondLst>
+                        <p:cond delay="indefinite"/>
+                      </p:stCondLst>
+                      <p:childTnLst>
+                        <p:par>
+                          <p:cTn id="26" fill="hold">
+                            <p:stCondLst>
+                              <p:cond delay="0"/>
+                            </p:stCondLst>
+                            <p:childTnLst>
+                              <p:par>
+                                <p:cTn id="27" presetClass="entr" nodeType="clickEffect" presetSubtype="0" presetID="1" grpId="7" fill="hold">
+                                  <p:stCondLst>
+                                    <p:cond delay="0"/>
+                                  </p:stCondLst>
+                                  <p:iterate type="el" backwards="0">
+                                    <p:tmAbs val="0"/>
+                                  </p:iterate>
+                                  <p:childTnLst>
+                                    <p:set>
+                                      <p:cBhvr>
+                                        <p:cTn id="28" fill="hold"/>
+                                        <p:tgtEl>
+                                          <p:spTgt spid="201"/>
+                                        </p:tgtEl>
+                                        <p:attrNameLst>
+                                          <p:attrName>style.visibility</p:attrName>
+                                        </p:attrNameLst>
+                                      </p:cBhvr>
+                                      <p:to>
+                                        <p:strVal val="visible"/>
+                                      </p:to>
+                                    </p:set>
+                                  </p:childTnLst>
+                                </p:cTn>
+                              </p:par>
+                            </p:childTnLst>
+                          </p:cTn>
+                        </p:par>
+                        <p:par>
+                          <p:cTn id="29" fill="hold">
+                            <p:stCondLst>
+                              <p:cond delay="0"/>
+                            </p:stCondLst>
+                            <p:childTnLst>
+                              <p:par>
+                                <p:cTn id="30" presetClass="entr" nodeType="afterEffect" presetSubtype="0" presetID="1" grpId="8" fill="hold">
+                                  <p:stCondLst>
+                                    <p:cond delay="0"/>
+                                  </p:stCondLst>
+                                  <p:iterate type="el" backwards="0">
+                                    <p:tmAbs val="0"/>
+                                  </p:iterate>
+                                  <p:childTnLst>
+                                    <p:set>
+                                      <p:cBhvr>
+                                        <p:cTn id="31" fill="hold"/>
+                                        <p:tgtEl>
+                                          <p:spTgt spid="202"/>
+                                        </p:tgtEl>
+                                        <p:attrNameLst>
+                                          <p:attrName>style.visibility</p:attrName>
+                                        </p:attrNameLst>
+                                      </p:cBhvr>
+                                      <p:to>
+                                        <p:strVal val="visible"/>
+                                      </p:to>
+                                    </p:set>
+                                  </p:childTnLst>
+                                </p:cTn>
+                              </p:par>
+                            </p:childTnLst>
+                          </p:cTn>
+                        </p:par>
+                      </p:childTnLst>
+                    </p:cTn>
+                  </p:par>
+                </p:childTnLst>
+              </p:cTn>
+              <p:prevCondLst>
+                <p:cond evt="onPrev">
+                  <p:tgtEl>
+                    <p:sldTgt/>
+                  </p:tgtEl>
+                </p:cond>
+              </p:prevCondLst>
+              <p:nextCondLst>
+                <p:cond evt="onNext">
+                  <p:tgtEl>
+                    <p:sldTgt/>
+                  </p:tgtEl>
+                </p:cond>
+              </p:nextCondLst>
+            </p:seq>
+          </p:childTnLst>
+        </p:cTn>
+      </p:par>
+    </p:tnLst>
+    <p:bldLst>
+      <p:bldP build="whole" bldLvl="1" animBg="1" rev="0" advAuto="0" spid="198" grpId="4"/>
+      <p:bldP build="whole" bldLvl="1" animBg="1" rev="0" advAuto="0" spid="201" grpId="7"/>
+      <p:bldP build="whole" bldLvl="1" animBg="1" rev="0" advAuto="0" spid="196" grpId="2"/>
+      <p:bldP build="whole" bldLvl="1" animBg="1" rev="0" advAuto="0" spid="197" grpId="3"/>
+      <p:bldP build="whole" bldLvl="1" animBg="1" rev="0" advAuto="0" spid="199" grpId="5"/>
+      <p:bldP build="whole" bldLvl="1" animBg="1" rev="0" advAuto="0" spid="200" grpId="6"/>
+      <p:bldP build="whole" bldLvl="1" animBg="1" rev="0" advAuto="0" spid="195" grpId="1"/>
+      <p:bldP build="whole" bldLvl="1" animBg="1" rev="0" advAuto="0" spid="202" grpId="8"/>
+    </p:bldLst>
+  </p:timing>
+</p:sld>
+</file>
+
+<file path=ppt/slides/slide4.xml><?xml version="1.0" encoding="utf-8"?>
+<p:sld xmlns:a="http://schemas.openxmlformats.org/drawingml/2006/main" xmlns:r="http://schemas.openxmlformats.org/officeDocument/2006/relationships" xmlns:p="http://schemas.openxmlformats.org/presentationml/2006/main" xmlns:m="http://schemas.openxmlformats.org/officeDocument/2006/math" xmlns:a14="http://schemas.microsoft.com/office/drawing/2010/main" showMasterSp="1" showMasterPhAnim="1">
+  <p:cSld>
+    <p:spTree>
+      <p:nvGrpSpPr>
+        <p:cNvPr id="1" name=""/>
+        <p:cNvGrpSpPr/>
+        <p:nvPr/>
+      </p:nvGrpSpPr>
+      <p:grpSpPr>
+        <a:xfrm>
+          <a:off x="0" y="0"/>
+          <a:ext cx="0" cy="0"/>
+          <a:chOff x="0" y="0"/>
+          <a:chExt cx="0" cy="0"/>
+        </a:xfrm>
+      </p:grpSpPr>
+      <p:grpSp>
+        <p:nvGrpSpPr>
+          <p:cNvPr id="208" name="组 47"/>
+          <p:cNvGrpSpPr/>
+          <p:nvPr/>
+        </p:nvGrpSpPr>
+        <p:grpSpPr>
+          <a:xfrm>
+            <a:off x="9703214" y="156120"/>
+            <a:ext cx="2370404" cy="899119"/>
+            <a:chOff x="0" y="0"/>
+            <a:chExt cx="2370402" cy="899117"/>
+          </a:xfrm>
+        </p:grpSpPr>
+        <p:grpSp>
+          <p:nvGrpSpPr>
+            <p:cNvPr id="206" name="组 46"/>
+            <p:cNvGrpSpPr/>
+            <p:nvPr/>
+          </p:nvGrpSpPr>
+          <p:grpSpPr>
+            <a:xfrm>
+              <a:off x="-1" y="183270"/>
+              <a:ext cx="2370404" cy="715848"/>
+              <a:chOff x="0" y="0"/>
+              <a:chExt cx="2370402" cy="715847"/>
+            </a:xfrm>
+          </p:grpSpPr>
+          <p:pic>
+            <p:nvPicPr>
+              <p:cNvPr id="204" name="图片 7" descr="图片 7"/>
+              <p:cNvPicPr>
+                <a:picLocks noChangeAspect="1"/>
+              </p:cNvPicPr>
+              <p:nvPr/>
+            </p:nvPicPr>
+            <p:blipFill>
+              <a:blip r:embed="rId2">
+                <a:extLst/>
+              </a:blip>
+              <a:stretch>
+                <a:fillRect/>
+              </a:stretch>
+            </p:blipFill>
+            <p:spPr>
+              <a:xfrm>
+                <a:off x="-1" y="-1"/>
+                <a:ext cx="674717" cy="616329"/>
+              </a:xfrm>
+              <a:prstGeom prst="rect">
+                <a:avLst/>
+              </a:prstGeom>
+              <a:ln w="12700" cap="flat">
+                <a:noFill/>
+                <a:miter lim="400000"/>
+              </a:ln>
+              <a:effectLst/>
+            </p:spPr>
+          </p:pic>
+          <p:pic>
+            <p:nvPicPr>
+              <p:cNvPr id="205" name="图片 8" descr="图片 8"/>
+              <p:cNvPicPr>
+                <a:picLocks noChangeAspect="1"/>
+              </p:cNvPicPr>
+              <p:nvPr/>
+            </p:nvPicPr>
+            <p:blipFill>
+              <a:blip r:embed="rId3">
+                <a:extLst/>
+              </a:blip>
+              <a:stretch>
+                <a:fillRect/>
+              </a:stretch>
+            </p:blipFill>
+            <p:spPr>
+              <a:xfrm>
+                <a:off x="597717" y="342649"/>
+                <a:ext cx="1772686" cy="373199"/>
+              </a:xfrm>
+              <a:prstGeom prst="rect">
+                <a:avLst/>
+              </a:prstGeom>
+              <a:ln w="12700" cap="flat">
+                <a:noFill/>
+                <a:miter lim="400000"/>
+              </a:ln>
+              <a:effectLst/>
+            </p:spPr>
+          </p:pic>
+        </p:grpSp>
+        <p:pic>
+          <p:nvPicPr>
+            <p:cNvPr id="207" name="图片 6" descr="图片 6"/>
+            <p:cNvPicPr>
+              <a:picLocks noChangeAspect="1"/>
+            </p:cNvPicPr>
+            <p:nvPr/>
+          </p:nvPicPr>
+          <p:blipFill>
+            <a:blip r:embed="rId4">
+              <a:extLst/>
+            </a:blip>
+            <a:srcRect l="30936" t="0" r="32115" b="0"/>
+            <a:stretch>
+              <a:fillRect/>
+            </a:stretch>
+          </p:blipFill>
+          <p:spPr>
+            <a:xfrm>
+              <a:off x="585920" y="-1"/>
+              <a:ext cx="1445960" cy="823892"/>
+            </a:xfrm>
+            <a:prstGeom prst="rect">
+              <a:avLst/>
+            </a:prstGeom>
+            <a:ln w="12700" cap="flat">
+              <a:noFill/>
+              <a:miter lim="400000"/>
+            </a:ln>
+            <a:effectLst/>
+          </p:spPr>
+        </p:pic>
+      </p:grpSp>
+      <p:pic>
+        <p:nvPicPr>
+          <p:cNvPr id="209" name="图片 9" descr="图片 9"/>
+          <p:cNvPicPr>
+            <a:picLocks noChangeAspect="1"/>
+          </p:cNvPicPr>
+          <p:nvPr/>
+        </p:nvPicPr>
+        <p:blipFill>
+          <a:blip r:embed="rId5">
+            <a:extLst/>
+          </a:blip>
+          <a:stretch>
+            <a:fillRect/>
+          </a:stretch>
+        </p:blipFill>
+        <p:spPr>
+          <a:xfrm>
+            <a:off x="0" y="6702641"/>
+            <a:ext cx="12192000" cy="155360"/>
+          </a:xfrm>
+          <a:prstGeom prst="rect">
+            <a:avLst/>
+          </a:prstGeom>
+          <a:ln w="12700">
+            <a:miter lim="400000"/>
+          </a:ln>
+        </p:spPr>
+      </p:pic>
+      <p:grpSp>
+        <p:nvGrpSpPr>
+          <p:cNvPr id="212" name="Group 4"/>
+          <p:cNvGrpSpPr/>
+          <p:nvPr/>
+        </p:nvGrpSpPr>
+        <p:grpSpPr>
+          <a:xfrm>
+            <a:off x="873124" y="606171"/>
+            <a:ext cx="10445751" cy="758834"/>
+            <a:chOff x="0" y="0"/>
+            <a:chExt cx="10445749" cy="758833"/>
+          </a:xfrm>
+        </p:grpSpPr>
+        <p:sp>
+          <p:nvSpPr>
+            <p:cNvPr id="210" name="TextBox 5"/>
+            <p:cNvSpPr txBox="1"/>
+            <p:nvPr/>
+          </p:nvSpPr>
+          <p:spPr>
+            <a:xfrm>
+              <a:off x="-1" y="0"/>
+              <a:ext cx="10445751" cy="640832"/>
+            </a:xfrm>
+            <a:prstGeom prst="rect">
+              <a:avLst/>
+            </a:prstGeom>
+            <a:noFill/>
+            <a:ln w="12700" cap="flat">
+              <a:noFill/>
+              <a:miter lim="400000"/>
+            </a:ln>
+            <a:effectLst/>
+            <a:extLst>
+              <a:ext uri="{C572A759-6A51-4108-AA02-DFA0A04FC94B}">
+                <ma14:wrappingTextBoxFlag xmlns:ma14="http://schemas.microsoft.com/office/mac/drawingml/2011/main" val="1"/>
+              </a:ext>
+            </a:extLst>
+          </p:spPr>
+          <p:txBody>
+            <a:bodyPr wrap="square" lIns="0" tIns="0" rIns="0" bIns="0" numCol="1" anchor="t">
+              <a:spAutoFit/>
+            </a:bodyPr>
+            <a:lstStyle>
+              <a:lvl1pPr>
+                <a:lnSpc>
+                  <a:spcPts val="5100"/>
+                </a:lnSpc>
+                <a:defRPr b="1" spc="85" sz="4200">
+                  <a:solidFill>
+                    <a:srgbClr val="364182"/>
+                  </a:solidFill>
+                  <a:latin typeface="微软雅黑"/>
+                  <a:ea typeface="微软雅黑"/>
+                  <a:cs typeface="微软雅黑"/>
+                  <a:sym typeface="微软雅黑"/>
+                </a:defRPr>
+              </a:lvl1pPr>
+            </a:lstStyle>
+            <a:p>
+              <a:pPr/>
+              <a:r>
+                <a:t>Right To Left</a:t>
+              </a:r>
+            </a:p>
+          </p:txBody>
+        </p:sp>
+        <p:sp>
+          <p:nvSpPr>
+            <p:cNvPr id="211" name="AutoShape 7"/>
+            <p:cNvSpPr/>
+            <p:nvPr/>
+          </p:nvSpPr>
+          <p:spPr>
+            <a:xfrm>
+              <a:off x="-1" y="735877"/>
+              <a:ext cx="1209613" cy="22957"/>
+            </a:xfrm>
+            <a:prstGeom prst="rect">
+              <a:avLst/>
+            </a:prstGeom>
+            <a:solidFill>
+              <a:srgbClr val="364182"/>
+            </a:solidFill>
+            <a:ln w="12700" cap="flat">
+              <a:noFill/>
+              <a:miter lim="400000"/>
+            </a:ln>
+            <a:effectLst/>
+          </p:spPr>
+          <p:txBody>
+            <a:bodyPr wrap="square" lIns="45719" tIns="45719" rIns="45719" bIns="45719" numCol="1" anchor="t">
+              <a:noAutofit/>
+            </a:bodyPr>
+            <a:lstStyle/>
+            <a:p>
+              <a:pPr/>
+            </a:p>
+          </p:txBody>
+        </p:sp>
+      </p:grpSp>
+      <p:sp>
+        <p:nvSpPr>
+          <p:cNvPr id="213" name="文本框 15"/>
+          <p:cNvSpPr txBox="1"/>
+          <p:nvPr/>
+        </p:nvSpPr>
+        <p:spPr>
+          <a:xfrm>
+            <a:off x="918844" y="1571370"/>
+            <a:ext cx="10354310" cy="3558541"/>
+          </a:xfrm>
+          <a:prstGeom prst="rect">
+            <a:avLst/>
+          </a:prstGeom>
+          <a:ln w="12700">
+            <a:miter lim="400000"/>
+          </a:ln>
+          <a:extLst>
+            <a:ext uri="{C572A759-6A51-4108-AA02-DFA0A04FC94B}">
+              <ma14:wrappingTextBoxFlag xmlns:ma14="http://schemas.microsoft.com/office/mac/drawingml/2011/main" val="1"/>
+            </a:ext>
+          </a:extLst>
+        </p:spPr>
+        <p:txBody>
+          <a:bodyPr lIns="45719" rIns="45719">
+            <a:spAutoFit/>
+          </a:bodyPr>
+          <a:lstStyle/>
+          <a:p>
+            <a:pPr>
+              <a:spcBef>
+                <a:spcPts val="400"/>
+              </a:spcBef>
+              <a:defRPr b="1" spc="85" sz="2600">
+                <a:solidFill>
+                  <a:srgbClr val="364182"/>
+                </a:solidFill>
+                <a:latin typeface="微软雅黑"/>
+                <a:ea typeface="微软雅黑"/>
+                <a:cs typeface="微软雅黑"/>
+                <a:sym typeface="微软雅黑"/>
+              </a:defRPr>
+            </a:pPr>
+            <a:r>
+              <a:t>题解思路</a:t>
+            </a:r>
+          </a:p>
+          <a:p>
+            <a:pPr>
+              <a:spcBef>
+                <a:spcPts val="400"/>
+              </a:spcBef>
+              <a:defRPr spc="85" sz="2600">
+                <a:solidFill>
+                  <a:srgbClr val="364182"/>
+                </a:solidFill>
+                <a:latin typeface="微软雅黑 Light"/>
+                <a:ea typeface="微软雅黑 Light"/>
+                <a:cs typeface="微软雅黑 Light"/>
+                <a:sym typeface="微软雅黑 Light"/>
+              </a:defRPr>
+            </a:pPr>
+            <a:r>
+              <a:t>首先，我们观察题目。</a:t>
+            </a:r>
+          </a:p>
+          <a:p>
+            <a:pPr>
+              <a:spcBef>
+                <a:spcPts val="400"/>
+              </a:spcBef>
+              <a:defRPr spc="85" sz="2600">
+                <a:solidFill>
+                  <a:srgbClr val="364182"/>
+                </a:solidFill>
+                <a:latin typeface="微软雅黑 Light"/>
+                <a:ea typeface="微软雅黑 Light"/>
+                <a:cs typeface="微软雅黑 Light"/>
+                <a:sym typeface="微软雅黑 Light"/>
+              </a:defRPr>
+            </a:pPr>
+            <a:r>
+              <a:t>可以发现，本题所求即为通过删除/插入若干字母，使其成为回文串的最小代价。</a:t>
+            </a:r>
+          </a:p>
+          <a:p>
+            <a:pPr>
+              <a:spcBef>
+                <a:spcPts val="400"/>
+              </a:spcBef>
+              <a:defRPr spc="85" sz="2600">
+                <a:solidFill>
+                  <a:srgbClr val="364182"/>
+                </a:solidFill>
+                <a:latin typeface="微软雅黑 Light"/>
+                <a:ea typeface="微软雅黑 Light"/>
+                <a:cs typeface="微软雅黑 Light"/>
+                <a:sym typeface="微软雅黑 Light"/>
+              </a:defRPr>
+            </a:pPr>
+            <a:r>
+              <a:t>不难想出，我们可以使用区间 DP 来解决这道问题。</a:t>
+            </a:r>
+          </a:p>
+          <a:p>
+            <a:pPr>
+              <a:spcBef>
+                <a:spcPts val="400"/>
+              </a:spcBef>
+              <a:defRPr spc="85" sz="2600">
+                <a:solidFill>
+                  <a:srgbClr val="364182"/>
+                </a:solidFill>
+                <a:latin typeface="微软雅黑 Light"/>
+                <a:ea typeface="微软雅黑 Light"/>
+                <a:cs typeface="微软雅黑 Light"/>
+                <a:sym typeface="微软雅黑 Light"/>
+              </a:defRPr>
+            </a:pPr>
+            <a:r>
+              <a:t>区间 DP 需要 </a:t>
+            </a:r>
+            <a14:m>
+              <m:oMath>
+                <m:r>
+                  <a:rPr xmlns:a="http://schemas.openxmlformats.org/drawingml/2006/main" sz="3050" i="1">
+                    <a:solidFill>
+                      <a:srgbClr val="364182"/>
+                    </a:solidFill>
+                    <a:latin typeface="Cambria Math" panose="02040503050406030204" pitchFamily="18" charset="0"/>
+                  </a:rPr>
+                  <m:t>O</m:t>
+                </m:r>
+                <m:r>
+                  <a:rPr xmlns:a="http://schemas.openxmlformats.org/drawingml/2006/main" sz="3050" i="1">
+                    <a:solidFill>
+                      <a:srgbClr val="364182"/>
+                    </a:solidFill>
+                    <a:latin typeface="Cambria Math" panose="02040503050406030204" pitchFamily="18" charset="0"/>
+                  </a:rPr>
+                  <m:t>(</m:t>
+                </m:r>
+                <m:sSup>
+                  <m:e>
+                    <m:r>
+                      <a:rPr xmlns:a="http://schemas.openxmlformats.org/drawingml/2006/main" sz="3050" i="1">
+                        <a:solidFill>
+                          <a:srgbClr val="364182"/>
+                        </a:solidFill>
+                        <a:latin typeface="Cambria Math" panose="02040503050406030204" pitchFamily="18" charset="0"/>
+                      </a:rPr>
+                      <m:t>n</m:t>
+                    </m:r>
+                  </m:e>
+                  <m:sup>
+                    <m:r>
+                      <a:rPr xmlns:a="http://schemas.openxmlformats.org/drawingml/2006/main" sz="3050" i="1">
+                        <a:solidFill>
+                          <a:srgbClr val="364182"/>
+                        </a:solidFill>
+                        <a:latin typeface="Cambria Math" panose="02040503050406030204" pitchFamily="18" charset="0"/>
+                      </a:rPr>
+                      <m:t>2</m:t>
+                    </m:r>
+                  </m:sup>
+                </m:sSup>
+                <m:r>
+                  <a:rPr xmlns:a="http://schemas.openxmlformats.org/drawingml/2006/main" sz="3050" i="1">
+                    <a:solidFill>
+                      <a:srgbClr val="364182"/>
+                    </a:solidFill>
+                    <a:latin typeface="Cambria Math" panose="02040503050406030204" pitchFamily="18" charset="0"/>
+                  </a:rPr>
+                  <m:t>)</m:t>
+                </m:r>
+              </m:oMath>
+            </a14:m>
+            <a:r>
+              <a:t> 的复杂度，可以通过这道题。</a:t>
+            </a:r>
+          </a:p>
+        </p:txBody>
+      </p:sp>
+    </p:spTree>
+  </p:cSld>
+  <p:clrMapOvr>
+    <a:masterClrMapping/>
+  </p:clrMapOvr>
+  <p:transition xmlns:p14="http://schemas.microsoft.com/office/powerpoint/2010/main" spd="med" advClick="1"/>
+  <p:timing>
+    <p:tnLst>
+      <p:par>
+        <p:cTn id="1" nodeType="tmRoot" restart="never" dur="indefinite" fill="hold">
+          <p:childTnLst>
+            <p:seq concurrent="1" prevAc="none" nextAc="seek">
+              <p:cTn id="2" nodeType="mainSeq" dur="indefinite" fill="hold">
+                <p:childTnLst>
+                  <p:par>
+                    <p:cTn id="3" fill="hold">
+                      <p:stCondLst>
+                        <p:cond delay="indefinite"/>
+                      </p:stCondLst>
+                      <p:childTnLst>
+                        <p:par>
+                          <p:cTn id="4" fill="hold">
+                            <p:stCondLst>
+                              <p:cond delay="0"/>
+                            </p:stCondLst>
+                            <p:childTnLst>
+                              <p:par>
+                                <p:cTn id="5" presetClass="entr" nodeType="clickEffect" presetSubtype="0" presetID="1" grpId="1" fill="hold">
+                                  <p:stCondLst>
+                                    <p:cond delay="0"/>
+                                  </p:stCondLst>
+                                  <p:iterate type="el" backwards="0">
+                                    <p:tmAbs val="0"/>
+                                  </p:iterate>
+                                  <p:childTnLst>
+                                    <p:set>
+                                      <p:cBhvr>
+                                        <p:cTn id="6" fill="hold"/>
+                                        <p:tgtEl>
+                                          <p:spTgt spid="213">
+                                            <p:bg/>
+                                          </p:spTgt>
+                                        </p:tgtEl>
+                                        <p:attrNameLst>
+                                          <p:attrName>style.visibility</p:attrName>
+                                        </p:attrNameLst>
+                                      </p:cBhvr>
+                                      <p:to>
+                                        <p:strVal val="visible"/>
+                                      </p:to>
+                                    </p:set>
+                                  </p:childTnLst>
+                                </p:cTn>
+                              </p:par>
+                              <p:par>
+                                <p:cTn id="7" presetClass="entr" nodeType="withEffect" presetSubtype="0" presetID="1" grpId="1" fill="hold">
+                                  <p:stCondLst>
+                                    <p:cond delay="0"/>
+                                  </p:stCondLst>
+                                  <p:iterate type="el" backwards="0">
+                                    <p:tmAbs val="0"/>
+                                  </p:iterate>
+                                  <p:childTnLst>
+                                    <p:set>
+                                      <p:cBhvr>
+                                        <p:cTn id="8" fill="hold"/>
+                                        <p:tgtEl>
+                                          <p:spTgt spid="213">
+                                            <p:txEl>
+                                              <p:pRg st="0" end="0"/>
+                                            </p:txEl>
+                                          </p:spTgt>
+                                        </p:tgtEl>
+                                        <p:attrNameLst>
+                                          <p:attrName>style.visibility</p:attrName>
+                                        </p:attrNameLst>
+                                      </p:cBhvr>
+                                      <p:to>
+                                        <p:strVal val="visible"/>
+                                      </p:to>
+                                    </p:set>
+                                  </p:childTnLst>
+                                </p:cTn>
+                              </p:par>
+                            </p:childTnLst>
+                          </p:cTn>
+                        </p:par>
+                      </p:childTnLst>
+                    </p:cTn>
+                  </p:par>
+                  <p:par>
+                    <p:cTn id="9" fill="hold">
+                      <p:stCondLst>
+                        <p:cond delay="indefinite"/>
+                      </p:stCondLst>
+                      <p:childTnLst>
+                        <p:par>
+                          <p:cTn id="10" fill="hold">
+                            <p:stCondLst>
+                              <p:cond delay="0"/>
+                            </p:stCondLst>
+                            <p:childTnLst>
+                              <p:par>
+                                <p:cTn id="11" presetClass="entr" nodeType="clickEffect" presetSubtype="0" presetID="1" grpId="1" fill="hold">
+                                  <p:stCondLst>
+                                    <p:cond delay="0"/>
+                                  </p:stCondLst>
+                                  <p:iterate type="el" backwards="0">
+                                    <p:tmAbs val="0"/>
+                                  </p:iterate>
+                                  <p:childTnLst>
+                                    <p:set>
+                                      <p:cBhvr>
+                                        <p:cTn id="12" fill="hold"/>
+                                        <p:tgtEl>
+                                          <p:spTgt spid="213">
+                                            <p:txEl>
+                                              <p:pRg st="1" end="1"/>
+                                            </p:txEl>
+                                          </p:spTgt>
+                                        </p:tgtEl>
+                                        <p:attrNameLst>
+                                          <p:attrName>style.visibility</p:attrName>
+                                        </p:attrNameLst>
+                                      </p:cBhvr>
+                                      <p:to>
+                                        <p:strVal val="visible"/>
+                                      </p:to>
+                                    </p:set>
+                                  </p:childTnLst>
+                                </p:cTn>
+                              </p:par>
+                            </p:childTnLst>
+                          </p:cTn>
+                        </p:par>
+                      </p:childTnLst>
+                    </p:cTn>
+                  </p:par>
+                  <p:par>
+                    <p:cTn id="13" fill="hold">
+                      <p:stCondLst>
+                        <p:cond delay="indefinite"/>
+                      </p:stCondLst>
+                      <p:childTnLst>
+                        <p:par>
+                          <p:cTn id="14" fill="hold">
+                            <p:stCondLst>
+                              <p:cond delay="0"/>
+                            </p:stCondLst>
+                            <p:childTnLst>
+                              <p:par>
+                                <p:cTn id="15" presetClass="entr" nodeType="clickEffect" presetSubtype="0" presetID="1" grpId="1" fill="hold">
+                                  <p:stCondLst>
+                                    <p:cond delay="0"/>
+                                  </p:stCondLst>
+                                  <p:iterate type="el" backwards="0">
+                                    <p:tmAbs val="0"/>
+                                  </p:iterate>
+                                  <p:childTnLst>
+                                    <p:set>
+                                      <p:cBhvr>
+                                        <p:cTn id="16" fill="hold"/>
+                                        <p:tgtEl>
+                                          <p:spTgt spid="213">
+                                            <p:txEl>
+                                              <p:pRg st="2" end="2"/>
+                                            </p:txEl>
+                                          </p:spTgt>
+                                        </p:tgtEl>
+                                        <p:attrNameLst>
+                                          <p:attrName>style.visibility</p:attrName>
+                                        </p:attrNameLst>
+                                      </p:cBhvr>
+                                      <p:to>
+                                        <p:strVal val="visible"/>
+                                      </p:to>
+                                    </p:set>
+                                  </p:childTnLst>
+                                </p:cTn>
+                              </p:par>
+                            </p:childTnLst>
+                          </p:cTn>
+                        </p:par>
+                      </p:childTnLst>
+                    </p:cTn>
+                  </p:par>
+                  <p:par>
+                    <p:cTn id="17" fill="hold">
+                      <p:stCondLst>
+                        <p:cond delay="indefinite"/>
+                      </p:stCondLst>
+                      <p:childTnLst>
+                        <p:par>
+                          <p:cTn id="18" fill="hold">
+                            <p:stCondLst>
+                              <p:cond delay="0"/>
+                            </p:stCondLst>
+                            <p:childTnLst>
+                              <p:par>
+                                <p:cTn id="19" presetClass="entr" nodeType="clickEffect" presetSubtype="0" presetID="1" grpId="1" fill="hold">
+                                  <p:stCondLst>
+                                    <p:cond delay="0"/>
+                                  </p:stCondLst>
+                                  <p:iterate type="el" backwards="0">
+                                    <p:tmAbs val="0"/>
+                                  </p:iterate>
+                                  <p:childTnLst>
+                                    <p:set>
+                                      <p:cBhvr>
+                                        <p:cTn id="20" fill="hold"/>
+                                        <p:tgtEl>
+                                          <p:spTgt spid="213">
+                                            <p:txEl>
+                                              <p:pRg st="3" end="3"/>
+                                            </p:txEl>
+                                          </p:spTgt>
+                                        </p:tgtEl>
+                                        <p:attrNameLst>
+                                          <p:attrName>style.visibility</p:attrName>
+                                        </p:attrNameLst>
+                                      </p:cBhvr>
+                                      <p:to>
+                                        <p:strVal val="visible"/>
+                                      </p:to>
+                                    </p:set>
+                                  </p:childTnLst>
+                                </p:cTn>
+                              </p:par>
+                            </p:childTnLst>
+                          </p:cTn>
+                        </p:par>
+                      </p:childTnLst>
+                    </p:cTn>
+                  </p:par>
+                  <p:par>
+                    <p:cTn id="21" fill="hold">
+                      <p:stCondLst>
+                        <p:cond delay="indefinite"/>
+                      </p:stCondLst>
+                      <p:childTnLst>
+                        <p:par>
+                          <p:cTn id="22" fill="hold">
+                            <p:stCondLst>
+                              <p:cond delay="0"/>
+                            </p:stCondLst>
+                            <p:childTnLst>
+                              <p:par>
+                                <p:cTn id="23" presetClass="entr" nodeType="clickEffect" presetSubtype="0" presetID="1" grpId="1" fill="hold">
+                                  <p:stCondLst>
+                                    <p:cond delay="0"/>
+                                  </p:stCondLst>
+                                  <p:iterate type="el" backwards="0">
+                                    <p:tmAbs val="0"/>
+                                  </p:iterate>
+                                  <p:childTnLst>
+                                    <p:set>
+                                      <p:cBhvr>
+                                        <p:cTn id="24" fill="hold"/>
+                                        <p:tgtEl>
+                                          <p:spTgt spid="213">
+                                            <p:txEl>
+                                              <p:pRg st="4" end="4"/>
+                                            </p:txEl>
+                                          </p:spTgt>
+                                        </p:tgtEl>
+                                        <p:attrNameLst>
+                                          <p:attrName>style.visibility</p:attrName>
+                                        </p:attrNameLst>
+                                      </p:cBhvr>
+                                      <p:to>
+                                        <p:strVal val="visible"/>
+                                      </p:to>
+                                    </p:set>
+                                  </p:childTnLst>
+                                </p:cTn>
+                              </p:par>
+                            </p:childTnLst>
+                          </p:cTn>
+                        </p:par>
+                      </p:childTnLst>
+                    </p:cTn>
+                  </p:par>
+                  <p:par>
+                    <p:cTn id="25" fill="hold">
+                      <p:stCondLst>
+                        <p:cond delay="indefinite"/>
+                      </p:stCondLst>
+                      <p:childTnLst>
+                        <p:par>
+                          <p:cTn id="26" fill="hold">
+                            <p:stCondLst>
+                              <p:cond delay="0"/>
+                            </p:stCondLst>
+                            <p:childTnLst>
+                              <p:par>
+                                <p:cTn id="27" presetClass="entr" nodeType="clickEffect" presetSubtype="0" presetID="1" grpId="1" fill="hold">
+                                  <p:stCondLst>
+                                    <p:cond delay="0"/>
+                                  </p:stCondLst>
+                                  <p:iterate type="el" backwards="0">
+                                    <p:tmAbs val="0"/>
+                                  </p:iterate>
+                                  <p:childTnLst>
+                                    <p:set>
+                                      <p:cBhvr>
+                                        <p:cTn id="28" fill="hold"/>
+                                        <p:tgtEl>
+                                          <p:spTgt spid="213">
+                                            <p:txEl>
+                                              <p:pRg st="5" end="5"/>
+                                            </p:txEl>
+                                          </p:spTgt>
+                                        </p:tgtEl>
+                                        <p:attrNameLst>
+                                          <p:attrName>style.visibility</p:attrName>
+                                        </p:attrNameLst>
+                                      </p:cBhvr>
+                                      <p:to>
+                                        <p:strVal val="visible"/>
+                                      </p:to>
+                                    </p:set>
+                                  </p:childTnLst>
+                                </p:cTn>
+                              </p:par>
+                            </p:childTnLst>
+                          </p:cTn>
+                        </p:par>
+                      </p:childTnLst>
+                    </p:cTn>
+                  </p:par>
+                </p:childTnLst>
+              </p:cTn>
+              <p:prevCondLst>
+                <p:cond evt="onPrev">
+                  <p:tgtEl>
+                    <p:sldTgt/>
+                  </p:tgtEl>
+                </p:cond>
+              </p:prevCondLst>
+              <p:nextCondLst>
+                <p:cond evt="onNext">
+                  <p:tgtEl>
+                    <p:sldTgt/>
+                  </p:tgtEl>
+                </p:cond>
+              </p:nextCondLst>
+            </p:seq>
+          </p:childTnLst>
+        </p:cTn>
+      </p:par>
+    </p:tnLst>
+    <p:bldLst>
+      <p:bldP build="p" bldLvl="5" animBg="1" rev="0" advAuto="0" spid="213" grpId="1"/>
+    </p:bldLst>
+  </p:timing>
+</p:sld>
+</file>
+
+<file path=ppt/slides/slide5.xml><?xml version="1.0" encoding="utf-8"?>
+<p:sld xmlns:a="http://schemas.openxmlformats.org/drawingml/2006/main" xmlns:r="http://schemas.openxmlformats.org/officeDocument/2006/relationships" xmlns:p="http://schemas.openxmlformats.org/presentationml/2006/main" xmlns:m="http://schemas.openxmlformats.org/officeDocument/2006/math" xmlns:a14="http://schemas.microsoft.com/office/drawing/2010/main" showMasterSp="1" showMasterPhAnim="1">
+  <p:cSld>
+    <p:spTree>
+      <p:nvGrpSpPr>
+        <p:cNvPr id="1" name=""/>
+        <p:cNvGrpSpPr/>
+        <p:nvPr/>
+      </p:nvGrpSpPr>
+      <p:grpSpPr>
+        <a:xfrm>
+          <a:off x="0" y="0"/>
+          <a:ext cx="0" cy="0"/>
+          <a:chOff x="0" y="0"/>
+          <a:chExt cx="0" cy="0"/>
+        </a:xfrm>
+      </p:grpSpPr>
+      <p:grpSp>
+        <p:nvGrpSpPr>
+          <p:cNvPr id="219" name="组 47"/>
+          <p:cNvGrpSpPr/>
+          <p:nvPr/>
+        </p:nvGrpSpPr>
+        <p:grpSpPr>
+          <a:xfrm>
+            <a:off x="9703214" y="156120"/>
+            <a:ext cx="2370404" cy="899119"/>
+            <a:chOff x="0" y="0"/>
+            <a:chExt cx="2370402" cy="899117"/>
+          </a:xfrm>
+        </p:grpSpPr>
+        <p:grpSp>
+          <p:nvGrpSpPr>
+            <p:cNvPr id="217" name="组 46"/>
+            <p:cNvGrpSpPr/>
+            <p:nvPr/>
+          </p:nvGrpSpPr>
+          <p:grpSpPr>
+            <a:xfrm>
+              <a:off x="-1" y="183270"/>
+              <a:ext cx="2370404" cy="715848"/>
+              <a:chOff x="0" y="0"/>
+              <a:chExt cx="2370402" cy="715847"/>
+            </a:xfrm>
+          </p:grpSpPr>
+          <p:pic>
+            <p:nvPicPr>
+              <p:cNvPr id="215" name="图片 7" descr="图片 7"/>
+              <p:cNvPicPr>
+                <a:picLocks noChangeAspect="1"/>
+              </p:cNvPicPr>
+              <p:nvPr/>
+            </p:nvPicPr>
+            <p:blipFill>
+              <a:blip r:embed="rId2">
+                <a:extLst/>
+              </a:blip>
+              <a:stretch>
+                <a:fillRect/>
+              </a:stretch>
+            </p:blipFill>
+            <p:spPr>
+              <a:xfrm>
+                <a:off x="-1" y="-1"/>
+                <a:ext cx="674717" cy="616329"/>
+              </a:xfrm>
+              <a:prstGeom prst="rect">
+                <a:avLst/>
+              </a:prstGeom>
+              <a:ln w="12700" cap="flat">
+                <a:noFill/>
+                <a:miter lim="400000"/>
+              </a:ln>
+              <a:effectLst/>
+            </p:spPr>
+          </p:pic>
+          <p:pic>
+            <p:nvPicPr>
+              <p:cNvPr id="216" name="图片 8" descr="图片 8"/>
+              <p:cNvPicPr>
+                <a:picLocks noChangeAspect="1"/>
+              </p:cNvPicPr>
+              <p:nvPr/>
+            </p:nvPicPr>
+            <p:blipFill>
+              <a:blip r:embed="rId3">
+                <a:extLst/>
+              </a:blip>
+              <a:stretch>
+                <a:fillRect/>
+              </a:stretch>
+            </p:blipFill>
+            <p:spPr>
+              <a:xfrm>
+                <a:off x="597717" y="342649"/>
+                <a:ext cx="1772686" cy="373199"/>
+              </a:xfrm>
+              <a:prstGeom prst="rect">
+                <a:avLst/>
+              </a:prstGeom>
+              <a:ln w="12700" cap="flat">
+                <a:noFill/>
+                <a:miter lim="400000"/>
+              </a:ln>
+              <a:effectLst/>
+            </p:spPr>
+          </p:pic>
+        </p:grpSp>
+        <p:pic>
+          <p:nvPicPr>
+            <p:cNvPr id="218" name="图片 6" descr="图片 6"/>
+            <p:cNvPicPr>
+              <a:picLocks noChangeAspect="1"/>
+            </p:cNvPicPr>
+            <p:nvPr/>
+          </p:nvPicPr>
+          <p:blipFill>
+            <a:blip r:embed="rId4">
+              <a:extLst/>
+            </a:blip>
+            <a:srcRect l="30936" t="0" r="32115" b="0"/>
+            <a:stretch>
+              <a:fillRect/>
+            </a:stretch>
+          </p:blipFill>
+          <p:spPr>
+            <a:xfrm>
+              <a:off x="585920" y="-1"/>
+              <a:ext cx="1445960" cy="823892"/>
+            </a:xfrm>
+            <a:prstGeom prst="rect">
+              <a:avLst/>
+            </a:prstGeom>
+            <a:ln w="12700" cap="flat">
+              <a:noFill/>
+              <a:miter lim="400000"/>
+            </a:ln>
+            <a:effectLst/>
+          </p:spPr>
+        </p:pic>
+      </p:grpSp>
+      <p:pic>
+        <p:nvPicPr>
+          <p:cNvPr id="220" name="图片 9" descr="图片 9"/>
+          <p:cNvPicPr>
+            <a:picLocks noChangeAspect="1"/>
+          </p:cNvPicPr>
+          <p:nvPr/>
+        </p:nvPicPr>
+        <p:blipFill>
+          <a:blip r:embed="rId5">
+            <a:extLst/>
+          </a:blip>
+          <a:stretch>
+            <a:fillRect/>
+          </a:stretch>
+        </p:blipFill>
+        <p:spPr>
+          <a:xfrm>
+            <a:off x="0" y="6702641"/>
+            <a:ext cx="12192000" cy="155360"/>
+          </a:xfrm>
+          <a:prstGeom prst="rect">
+            <a:avLst/>
+          </a:prstGeom>
+          <a:ln w="12700">
+            <a:miter lim="400000"/>
+          </a:ln>
+        </p:spPr>
+      </p:pic>
+      <p:grpSp>
+        <p:nvGrpSpPr>
+          <p:cNvPr id="223" name="Group 4"/>
+          <p:cNvGrpSpPr/>
+          <p:nvPr/>
+        </p:nvGrpSpPr>
+        <p:grpSpPr>
+          <a:xfrm>
+            <a:off x="873124" y="606171"/>
+            <a:ext cx="10445751" cy="758834"/>
+            <a:chOff x="0" y="0"/>
+            <a:chExt cx="10445749" cy="758833"/>
+          </a:xfrm>
+        </p:grpSpPr>
+        <p:sp>
+          <p:nvSpPr>
+            <p:cNvPr id="221" name="TextBox 5"/>
+            <p:cNvSpPr txBox="1"/>
+            <p:nvPr/>
+          </p:nvSpPr>
+          <p:spPr>
+            <a:xfrm>
+              <a:off x="-1" y="0"/>
+              <a:ext cx="10445751" cy="640832"/>
+            </a:xfrm>
+            <a:prstGeom prst="rect">
+              <a:avLst/>
+            </a:prstGeom>
+            <a:noFill/>
+            <a:ln w="12700" cap="flat">
+              <a:noFill/>
+              <a:miter lim="400000"/>
+            </a:ln>
+            <a:effectLst/>
+            <a:extLst>
+              <a:ext uri="{C572A759-6A51-4108-AA02-DFA0A04FC94B}">
+                <ma14:wrappingTextBoxFlag xmlns:ma14="http://schemas.microsoft.com/office/mac/drawingml/2011/main" val="1"/>
+              </a:ext>
+            </a:extLst>
+          </p:spPr>
+          <p:txBody>
+            <a:bodyPr wrap="square" lIns="0" tIns="0" rIns="0" bIns="0" numCol="1" anchor="t">
+              <a:spAutoFit/>
+            </a:bodyPr>
+            <a:lstStyle>
+              <a:lvl1pPr>
+                <a:lnSpc>
+                  <a:spcPts val="5100"/>
+                </a:lnSpc>
+                <a:defRPr b="1" spc="85" sz="4200">
+                  <a:solidFill>
+                    <a:srgbClr val="364182"/>
+                  </a:solidFill>
+                  <a:latin typeface="微软雅黑"/>
+                  <a:ea typeface="微软雅黑"/>
+                  <a:cs typeface="微软雅黑"/>
+                  <a:sym typeface="微软雅黑"/>
+                </a:defRPr>
+              </a:lvl1pPr>
+            </a:lstStyle>
+            <a:p>
+              <a:pPr/>
+              <a:r>
+                <a:t>Right To Left</a:t>
+              </a:r>
+            </a:p>
+          </p:txBody>
+        </p:sp>
+        <p:sp>
+          <p:nvSpPr>
+            <p:cNvPr id="222" name="AutoShape 7"/>
+            <p:cNvSpPr/>
+            <p:nvPr/>
+          </p:nvSpPr>
+          <p:spPr>
+            <a:xfrm>
+              <a:off x="-1" y="735877"/>
+              <a:ext cx="1209613" cy="22957"/>
+            </a:xfrm>
+            <a:prstGeom prst="rect">
+              <a:avLst/>
+            </a:prstGeom>
+            <a:solidFill>
+              <a:srgbClr val="364182"/>
+            </a:solidFill>
+            <a:ln w="12700" cap="flat">
+              <a:noFill/>
+              <a:miter lim="400000"/>
+            </a:ln>
+            <a:effectLst/>
+          </p:spPr>
+          <p:txBody>
+            <a:bodyPr wrap="square" lIns="45719" tIns="45719" rIns="45719" bIns="45719" numCol="1" anchor="t">
+              <a:noAutofit/>
+            </a:bodyPr>
+            <a:lstStyle/>
+            <a:p>
+              <a:pPr/>
+            </a:p>
+          </p:txBody>
+        </p:sp>
+      </p:grpSp>
+      <p:sp>
+        <p:nvSpPr>
+          <p:cNvPr id="224" name="文本框 15"/>
           <p:cNvSpPr txBox="1"/>
           <p:nvPr/>
         </p:nvSpPr>
@@ -6824,7 +8971,7 @@
                                       <p:cBhvr>
                                         <p:cTn id="6" fill="hold"/>
                                         <p:tgtEl>
-                                          <p:spTgt spid="195">
+                                          <p:spTgt spid="224">
                                             <p:bg/>
                                           </p:spTgt>
                                         </p:tgtEl>
@@ -6852,7 +8999,7 @@
                                       <p:cBhvr>
                                         <p:cTn id="8" fill="hold"/>
                                         <p:tgtEl>
-                                          <p:spTgt spid="195">
+                                          <p:spTgt spid="224">
                                             <p:txEl>
                                               <p:pRg st="0" end="0"/>
                                             </p:txEl>
@@ -6900,7 +9047,7 @@
                                       <p:cBhvr>
                                         <p:cTn id="12" fill="hold"/>
                                         <p:tgtEl>
-                                          <p:spTgt spid="195">
+                                          <p:spTgt spid="224">
                                             <p:txEl>
                                               <p:pRg st="1" end="1"/>
                                             </p:txEl>
@@ -6948,7 +9095,7 @@
                                       <p:cBhvr>
                                         <p:cTn id="16" fill="hold"/>
                                         <p:tgtEl>
-                                          <p:spTgt spid="195">
+                                          <p:spTgt spid="224">
                                             <p:txEl>
                                               <p:pRg st="2" end="2"/>
                                             </p:txEl>
@@ -6996,7 +9143,7 @@
                                       <p:cBhvr>
                                         <p:cTn id="20" fill="hold"/>
                                         <p:tgtEl>
-                                          <p:spTgt spid="195">
+                                          <p:spTgt spid="224">
                                             <p:txEl>
                                               <p:pRg st="3" end="3"/>
                                             </p:txEl>
@@ -7044,7 +9191,7 @@
                                       <p:cBhvr>
                                         <p:cTn id="24" fill="hold"/>
                                         <p:tgtEl>
-                                          <p:spTgt spid="195">
+                                          <p:spTgt spid="224">
                                             <p:txEl>
                                               <p:pRg st="4" end="4"/>
                                             </p:txEl>
@@ -7092,7 +9239,7 @@
                                       <p:cBhvr>
                                         <p:cTn id="28" fill="hold"/>
                                         <p:tgtEl>
-                                          <p:spTgt spid="195">
+                                          <p:spTgt spid="224">
                                             <p:txEl>
                                               <p:pRg st="5" end="5"/>
                                             </p:txEl>
@@ -7140,7 +9287,7 @@
                                       <p:cBhvr>
                                         <p:cTn id="32" fill="hold"/>
                                         <p:tgtEl>
-                                          <p:spTgt spid="195">
+                                          <p:spTgt spid="224">
                                             <p:txEl>
                                               <p:pRg st="6" end="6"/>
                                             </p:txEl>
@@ -7188,7 +9335,7 @@
                                       <p:cBhvr>
                                         <p:cTn id="36" fill="hold"/>
                                         <p:tgtEl>
-                                          <p:spTgt spid="195">
+                                          <p:spTgt spid="224">
                                             <p:txEl>
                                               <p:pRg st="7" end="7"/>
                                             </p:txEl>
@@ -7236,7 +9383,7 @@
                                       <p:cBhvr>
                                         <p:cTn id="40" fill="hold"/>
                                         <p:tgtEl>
-                                          <p:spTgt spid="195">
+                                          <p:spTgt spid="224">
                                             <p:txEl>
                                               <p:pRg st="8" end="8"/>
                                             </p:txEl>
@@ -7284,7 +9431,7 @@
                                       <p:cBhvr>
                                         <p:cTn id="44" fill="hold"/>
                                         <p:tgtEl>
-                                          <p:spTgt spid="195">
+                                          <p:spTgt spid="224">
                                             <p:txEl>
                                               <p:pRg st="9" end="9"/>
                                             </p:txEl>
@@ -7332,7 +9479,7 @@
                                       <p:cBhvr>
                                         <p:cTn id="48" fill="hold"/>
                                         <p:tgtEl>
-                                          <p:spTgt spid="195">
+                                          <p:spTgt spid="224">
                                             <p:txEl>
                                               <p:pRg st="10" end="10"/>
                                             </p:txEl>
@@ -7377,13 +9524,13 @@
       </p:par>
     </p:tnLst>
     <p:bldLst>
-      <p:bldP build="p" bldLvl="5" animBg="1" rev="0" advAuto="0" spid="195" grpId="1"/>
+      <p:bldP build="p" bldLvl="5" animBg="1" rev="0" advAuto="0" spid="224" grpId="1"/>
     </p:bldLst>
   </p:timing>
 </p:sld>
 </file>
 
-<file path=ppt/slides/slide4.xml><?xml version="1.0" encoding="utf-8"?>
+<file path=ppt/slides/slide6.xml><?xml version="1.0" encoding="utf-8"?>
 <p:sld xmlns:a="http://schemas.openxmlformats.org/drawingml/2006/main" xmlns:r="http://schemas.openxmlformats.org/officeDocument/2006/relationships" xmlns:p="http://schemas.openxmlformats.org/presentationml/2006/main" xmlns:m="http://schemas.openxmlformats.org/officeDocument/2006/math" xmlns:a14="http://schemas.microsoft.com/office/drawing/2010/main" showMasterSp="1" showMasterPhAnim="1">
   <p:cSld>
     <p:spTree>
@@ -7402,7 +9549,7 @@
       </p:grpSpPr>
       <p:grpSp>
         <p:nvGrpSpPr>
-          <p:cNvPr id="201" name="组 47"/>
+          <p:cNvPr id="230" name="组 47"/>
           <p:cNvGrpSpPr/>
           <p:nvPr/>
         </p:nvGrpSpPr>
@@ -7416,7 +9563,7 @@
         </p:grpSpPr>
         <p:grpSp>
           <p:nvGrpSpPr>
-            <p:cNvPr id="199" name="组 46"/>
+            <p:cNvPr id="228" name="组 46"/>
             <p:cNvGrpSpPr/>
             <p:nvPr/>
           </p:nvGrpSpPr>
@@ -7430,7 +9577,7 @@
           </p:grpSpPr>
           <p:pic>
             <p:nvPicPr>
-              <p:cNvPr id="197" name="图片 7" descr="图片 7"/>
+              <p:cNvPr id="226" name="图片 7" descr="图片 7"/>
               <p:cNvPicPr>
                 <a:picLocks noChangeAspect="1"/>
               </p:cNvPicPr>
@@ -7461,7 +9608,7 @@
           </p:pic>
           <p:pic>
             <p:nvPicPr>
-              <p:cNvPr id="198" name="图片 8" descr="图片 8"/>
+              <p:cNvPr id="227" name="图片 8" descr="图片 8"/>
               <p:cNvPicPr>
                 <a:picLocks noChangeAspect="1"/>
               </p:cNvPicPr>
@@ -7493,7 +9640,7 @@
         </p:grpSp>
         <p:pic>
           <p:nvPicPr>
-            <p:cNvPr id="200" name="图片 6" descr="图片 6"/>
+            <p:cNvPr id="229" name="图片 6" descr="图片 6"/>
             <p:cNvPicPr>
               <a:picLocks noChangeAspect="1"/>
             </p:cNvPicPr>
@@ -7526,7 +9673,7 @@
       </p:grpSp>
       <p:pic>
         <p:nvPicPr>
-          <p:cNvPr id="202" name="图片 9" descr="图片 9"/>
+          <p:cNvPr id="231" name="图片 9" descr="图片 9"/>
           <p:cNvPicPr>
             <a:picLocks noChangeAspect="1"/>
           </p:cNvPicPr>
@@ -7555,7 +9702,7 @@
       </p:pic>
       <p:grpSp>
         <p:nvGrpSpPr>
-          <p:cNvPr id="205" name="Group 4"/>
+          <p:cNvPr id="234" name="Group 4"/>
           <p:cNvGrpSpPr/>
           <p:nvPr/>
         </p:nvGrpSpPr>
@@ -7569,7 +9716,7 @@
         </p:grpSpPr>
         <p:sp>
           <p:nvSpPr>
-            <p:cNvPr id="203" name="TextBox 5"/>
+            <p:cNvPr id="232" name="TextBox 5"/>
             <p:cNvSpPr txBox="1"/>
             <p:nvPr/>
           </p:nvSpPr>
@@ -7623,7 +9770,7 @@
         </p:sp>
         <p:sp>
           <p:nvSpPr>
-            <p:cNvPr id="204" name="AutoShape 7"/>
+            <p:cNvPr id="233" name="AutoShape 7"/>
             <p:cNvSpPr/>
             <p:nvPr/>
           </p:nvSpPr>
@@ -7657,7 +9804,7 @@
       </p:grpSp>
       <p:sp>
         <p:nvSpPr>
-          <p:cNvPr id="206" name="文本框 15"/>
+          <p:cNvPr id="235" name="文本框 15"/>
           <p:cNvSpPr txBox="1"/>
           <p:nvPr/>
         </p:nvSpPr>
@@ -8551,7 +10698,7 @@
                                       <p:cBhvr>
                                         <p:cTn id="6" fill="hold"/>
                                         <p:tgtEl>
-                                          <p:spTgt spid="206">
+                                          <p:spTgt spid="235">
                                             <p:bg/>
                                           </p:spTgt>
                                         </p:tgtEl>
@@ -8579,7 +10726,7 @@
                                       <p:cBhvr>
                                         <p:cTn id="8" fill="hold"/>
                                         <p:tgtEl>
-                                          <p:spTgt spid="206">
+                                          <p:spTgt spid="235">
                                             <p:txEl>
                                               <p:pRg st="0" end="0"/>
                                             </p:txEl>
@@ -8627,7 +10774,7 @@
                                       <p:cBhvr>
                                         <p:cTn id="12" fill="hold"/>
                                         <p:tgtEl>
-                                          <p:spTgt spid="206">
+                                          <p:spTgt spid="235">
                                             <p:txEl>
                                               <p:pRg st="1" end="1"/>
                                             </p:txEl>
@@ -8675,7 +10822,7 @@
                                       <p:cBhvr>
                                         <p:cTn id="16" fill="hold"/>
                                         <p:tgtEl>
-                                          <p:spTgt spid="206">
+                                          <p:spTgt spid="235">
                                             <p:txEl>
                                               <p:pRg st="2" end="2"/>
                                             </p:txEl>
@@ -8723,7 +10870,7 @@
                                       <p:cBhvr>
                                         <p:cTn id="20" fill="hold"/>
                                         <p:tgtEl>
-                                          <p:spTgt spid="206">
+                                          <p:spTgt spid="235">
                                             <p:txEl>
                                               <p:pRg st="3" end="3"/>
                                             </p:txEl>
@@ -8771,7 +10918,7 @@
                                       <p:cBhvr>
                                         <p:cTn id="24" fill="hold"/>
                                         <p:tgtEl>
-                                          <p:spTgt spid="206">
+                                          <p:spTgt spid="235">
                                             <p:txEl>
                                               <p:pRg st="4" end="4"/>
                                             </p:txEl>
@@ -8816,13 +10963,483 @@
       </p:par>
     </p:tnLst>
     <p:bldLst>
-      <p:bldP build="p" bldLvl="5" animBg="1" rev="0" advAuto="0" spid="206" grpId="1"/>
+      <p:bldP build="p" bldLvl="5" animBg="1" rev="0" advAuto="0" spid="235" grpId="1"/>
     </p:bldLst>
   </p:timing>
 </p:sld>
 </file>
 
-<file path=ppt/slides/slide5.xml><?xml version="1.0" encoding="utf-8"?>
+<file path=ppt/slides/slide7.xml><?xml version="1.0" encoding="utf-8"?>
+<p:sld xmlns:a="http://schemas.openxmlformats.org/drawingml/2006/main" xmlns:r="http://schemas.openxmlformats.org/officeDocument/2006/relationships" xmlns:p="http://schemas.openxmlformats.org/presentationml/2006/main" xmlns:m="http://schemas.openxmlformats.org/officeDocument/2006/math" xmlns:a14="http://schemas.microsoft.com/office/drawing/2010/main" showMasterSp="1" showMasterPhAnim="1">
+  <p:cSld>
+    <p:spTree>
+      <p:nvGrpSpPr>
+        <p:cNvPr id="1" name=""/>
+        <p:cNvGrpSpPr/>
+        <p:nvPr/>
+      </p:nvGrpSpPr>
+      <p:grpSpPr>
+        <a:xfrm>
+          <a:off x="0" y="0"/>
+          <a:ext cx="0" cy="0"/>
+          <a:chOff x="0" y="0"/>
+          <a:chExt cx="0" cy="0"/>
+        </a:xfrm>
+      </p:grpSpPr>
+      <p:pic>
+        <p:nvPicPr>
+          <p:cNvPr id="237" name="code.png" descr="code.png"/>
+          <p:cNvPicPr>
+            <a:picLocks noChangeAspect="1"/>
+          </p:cNvPicPr>
+          <p:nvPr/>
+        </p:nvPicPr>
+        <p:blipFill>
+          <a:blip r:embed="rId2">
+            <a:extLst/>
+          </a:blip>
+          <a:stretch>
+            <a:fillRect/>
+          </a:stretch>
+        </p:blipFill>
+        <p:spPr>
+          <a:xfrm>
+            <a:off x="1579379" y="142596"/>
+            <a:ext cx="10535808" cy="7449931"/>
+          </a:xfrm>
+          <a:prstGeom prst="rect">
+            <a:avLst/>
+          </a:prstGeom>
+          <a:ln w="12700">
+            <a:miter lim="400000"/>
+          </a:ln>
+        </p:spPr>
+      </p:pic>
+      <p:grpSp>
+        <p:nvGrpSpPr>
+          <p:cNvPr id="242" name="组 47"/>
+          <p:cNvGrpSpPr/>
+          <p:nvPr/>
+        </p:nvGrpSpPr>
+        <p:grpSpPr>
+          <a:xfrm>
+            <a:off x="9703214" y="156120"/>
+            <a:ext cx="2370404" cy="899119"/>
+            <a:chOff x="0" y="0"/>
+            <a:chExt cx="2370402" cy="899117"/>
+          </a:xfrm>
+        </p:grpSpPr>
+        <p:grpSp>
+          <p:nvGrpSpPr>
+            <p:cNvPr id="240" name="组 46"/>
+            <p:cNvGrpSpPr/>
+            <p:nvPr/>
+          </p:nvGrpSpPr>
+          <p:grpSpPr>
+            <a:xfrm>
+              <a:off x="-1" y="183270"/>
+              <a:ext cx="2370404" cy="715848"/>
+              <a:chOff x="0" y="0"/>
+              <a:chExt cx="2370402" cy="715847"/>
+            </a:xfrm>
+          </p:grpSpPr>
+          <p:pic>
+            <p:nvPicPr>
+              <p:cNvPr id="238" name="图片 7" descr="图片 7"/>
+              <p:cNvPicPr>
+                <a:picLocks noChangeAspect="1"/>
+              </p:cNvPicPr>
+              <p:nvPr/>
+            </p:nvPicPr>
+            <p:blipFill>
+              <a:blip r:embed="rId3">
+                <a:extLst/>
+              </a:blip>
+              <a:stretch>
+                <a:fillRect/>
+              </a:stretch>
+            </p:blipFill>
+            <p:spPr>
+              <a:xfrm>
+                <a:off x="-1" y="-1"/>
+                <a:ext cx="674717" cy="616329"/>
+              </a:xfrm>
+              <a:prstGeom prst="rect">
+                <a:avLst/>
+              </a:prstGeom>
+              <a:ln w="12700" cap="flat">
+                <a:noFill/>
+                <a:miter lim="400000"/>
+              </a:ln>
+              <a:effectLst/>
+            </p:spPr>
+          </p:pic>
+          <p:pic>
+            <p:nvPicPr>
+              <p:cNvPr id="239" name="图片 8" descr="图片 8"/>
+              <p:cNvPicPr>
+                <a:picLocks noChangeAspect="1"/>
+              </p:cNvPicPr>
+              <p:nvPr/>
+            </p:nvPicPr>
+            <p:blipFill>
+              <a:blip r:embed="rId4">
+                <a:extLst/>
+              </a:blip>
+              <a:stretch>
+                <a:fillRect/>
+              </a:stretch>
+            </p:blipFill>
+            <p:spPr>
+              <a:xfrm>
+                <a:off x="597717" y="342649"/>
+                <a:ext cx="1772686" cy="373199"/>
+              </a:xfrm>
+              <a:prstGeom prst="rect">
+                <a:avLst/>
+              </a:prstGeom>
+              <a:ln w="12700" cap="flat">
+                <a:noFill/>
+                <a:miter lim="400000"/>
+              </a:ln>
+              <a:effectLst/>
+            </p:spPr>
+          </p:pic>
+        </p:grpSp>
+        <p:pic>
+          <p:nvPicPr>
+            <p:cNvPr id="241" name="图片 6" descr="图片 6"/>
+            <p:cNvPicPr>
+              <a:picLocks noChangeAspect="1"/>
+            </p:cNvPicPr>
+            <p:nvPr/>
+          </p:nvPicPr>
+          <p:blipFill>
+            <a:blip r:embed="rId5">
+              <a:extLst/>
+            </a:blip>
+            <a:srcRect l="30936" t="0" r="32115" b="0"/>
+            <a:stretch>
+              <a:fillRect/>
+            </a:stretch>
+          </p:blipFill>
+          <p:spPr>
+            <a:xfrm>
+              <a:off x="585920" y="-1"/>
+              <a:ext cx="1445960" cy="823892"/>
+            </a:xfrm>
+            <a:prstGeom prst="rect">
+              <a:avLst/>
+            </a:prstGeom>
+            <a:ln w="12700" cap="flat">
+              <a:noFill/>
+              <a:miter lim="400000"/>
+            </a:ln>
+            <a:effectLst/>
+          </p:spPr>
+        </p:pic>
+      </p:grpSp>
+      <p:pic>
+        <p:nvPicPr>
+          <p:cNvPr id="243" name="图片 9" descr="图片 9"/>
+          <p:cNvPicPr>
+            <a:picLocks noChangeAspect="1"/>
+          </p:cNvPicPr>
+          <p:nvPr/>
+        </p:nvPicPr>
+        <p:blipFill>
+          <a:blip r:embed="rId6">
+            <a:extLst/>
+          </a:blip>
+          <a:stretch>
+            <a:fillRect/>
+          </a:stretch>
+        </p:blipFill>
+        <p:spPr>
+          <a:xfrm>
+            <a:off x="0" y="6702641"/>
+            <a:ext cx="12192000" cy="155360"/>
+          </a:xfrm>
+          <a:prstGeom prst="rect">
+            <a:avLst/>
+          </a:prstGeom>
+          <a:ln w="12700">
+            <a:miter lim="400000"/>
+          </a:ln>
+        </p:spPr>
+      </p:pic>
+      <p:grpSp>
+        <p:nvGrpSpPr>
+          <p:cNvPr id="246" name="Group 4"/>
+          <p:cNvGrpSpPr/>
+          <p:nvPr/>
+        </p:nvGrpSpPr>
+        <p:grpSpPr>
+          <a:xfrm>
+            <a:off x="873124" y="606171"/>
+            <a:ext cx="10445751" cy="758834"/>
+            <a:chOff x="0" y="0"/>
+            <a:chExt cx="10445749" cy="758833"/>
+          </a:xfrm>
+        </p:grpSpPr>
+        <p:sp>
+          <p:nvSpPr>
+            <p:cNvPr id="244" name="TextBox 5"/>
+            <p:cNvSpPr txBox="1"/>
+            <p:nvPr/>
+          </p:nvSpPr>
+          <p:spPr>
+            <a:xfrm>
+              <a:off x="-1" y="0"/>
+              <a:ext cx="10445751" cy="640832"/>
+            </a:xfrm>
+            <a:prstGeom prst="rect">
+              <a:avLst/>
+            </a:prstGeom>
+            <a:noFill/>
+            <a:ln w="12700" cap="flat">
+              <a:noFill/>
+              <a:miter lim="400000"/>
+            </a:ln>
+            <a:effectLst/>
+            <a:extLst>
+              <a:ext uri="{C572A759-6A51-4108-AA02-DFA0A04FC94B}">
+                <ma14:wrappingTextBoxFlag xmlns:ma14="http://schemas.microsoft.com/office/mac/drawingml/2011/main" val="1"/>
+              </a:ext>
+            </a:extLst>
+          </p:spPr>
+          <p:txBody>
+            <a:bodyPr wrap="square" lIns="0" tIns="0" rIns="0" bIns="0" numCol="1" anchor="t">
+              <a:spAutoFit/>
+            </a:bodyPr>
+            <a:lstStyle>
+              <a:lvl1pPr>
+                <a:lnSpc>
+                  <a:spcPts val="5100"/>
+                </a:lnSpc>
+                <a:defRPr b="1" spc="85" sz="4200">
+                  <a:solidFill>
+                    <a:srgbClr val="364182"/>
+                  </a:solidFill>
+                  <a:latin typeface="微软雅黑"/>
+                  <a:ea typeface="微软雅黑"/>
+                  <a:cs typeface="微软雅黑"/>
+                  <a:sym typeface="微软雅黑"/>
+                </a:defRPr>
+              </a:lvl1pPr>
+            </a:lstStyle>
+            <a:p>
+              <a:pPr/>
+              <a:r>
+                <a:t>Right To Left</a:t>
+              </a:r>
+            </a:p>
+          </p:txBody>
+        </p:sp>
+        <p:sp>
+          <p:nvSpPr>
+            <p:cNvPr id="245" name="AutoShape 7"/>
+            <p:cNvSpPr/>
+            <p:nvPr/>
+          </p:nvSpPr>
+          <p:spPr>
+            <a:xfrm>
+              <a:off x="-1" y="735877"/>
+              <a:ext cx="1209613" cy="22957"/>
+            </a:xfrm>
+            <a:prstGeom prst="rect">
+              <a:avLst/>
+            </a:prstGeom>
+            <a:solidFill>
+              <a:srgbClr val="364182"/>
+            </a:solidFill>
+            <a:ln w="12700" cap="flat">
+              <a:noFill/>
+              <a:miter lim="400000"/>
+            </a:ln>
+            <a:effectLst/>
+          </p:spPr>
+          <p:txBody>
+            <a:bodyPr wrap="square" lIns="45719" tIns="45719" rIns="45719" bIns="45719" numCol="1" anchor="t">
+              <a:noAutofit/>
+            </a:bodyPr>
+            <a:lstStyle/>
+            <a:p>
+              <a:pPr/>
+            </a:p>
+          </p:txBody>
+        </p:sp>
+      </p:grpSp>
+      <p:sp>
+        <p:nvSpPr>
+          <p:cNvPr id="247" name="文本框 15"/>
+          <p:cNvSpPr txBox="1"/>
+          <p:nvPr/>
+        </p:nvSpPr>
+        <p:spPr>
+          <a:xfrm>
+            <a:off x="918844" y="1571370"/>
+            <a:ext cx="10354310" cy="561341"/>
+          </a:xfrm>
+          <a:prstGeom prst="rect">
+            <a:avLst/>
+          </a:prstGeom>
+          <a:ln w="12700">
+            <a:miter lim="400000"/>
+          </a:ln>
+          <a:extLst>
+            <a:ext uri="{C572A759-6A51-4108-AA02-DFA0A04FC94B}">
+              <ma14:wrappingTextBoxFlag xmlns:ma14="http://schemas.microsoft.com/office/mac/drawingml/2011/main" val="1"/>
+            </a:ext>
+          </a:extLst>
+        </p:spPr>
+        <p:txBody>
+          <a:bodyPr lIns="45719" rIns="45719">
+            <a:spAutoFit/>
+          </a:bodyPr>
+          <a:lstStyle>
+            <a:lvl1pPr>
+              <a:spcBef>
+                <a:spcPts val="400"/>
+              </a:spcBef>
+              <a:defRPr b="1" spc="85" sz="2600">
+                <a:solidFill>
+                  <a:srgbClr val="364182"/>
+                </a:solidFill>
+                <a:latin typeface="微软雅黑"/>
+                <a:ea typeface="微软雅黑"/>
+                <a:cs typeface="微软雅黑"/>
+                <a:sym typeface="微软雅黑"/>
+              </a:defRPr>
+            </a:lvl1pPr>
+          </a:lstStyle>
+          <a:p>
+            <a:pPr/>
+            <a:r>
+              <a:t>代码实现</a:t>
+            </a:r>
+          </a:p>
+        </p:txBody>
+      </p:sp>
+    </p:spTree>
+  </p:cSld>
+  <p:clrMapOvr>
+    <a:masterClrMapping/>
+  </p:clrMapOvr>
+  <p:transition xmlns:p14="http://schemas.microsoft.com/office/powerpoint/2010/main" spd="med" advClick="1"/>
+  <p:timing>
+    <p:tnLst>
+      <p:par>
+        <p:cTn id="1" nodeType="tmRoot" restart="never" dur="indefinite" fill="hold">
+          <p:childTnLst>
+            <p:seq concurrent="1" prevAc="none" nextAc="seek">
+              <p:cTn id="2" nodeType="mainSeq" dur="indefinite" fill="hold">
+                <p:childTnLst>
+                  <p:par>
+                    <p:cTn id="3" fill="hold">
+                      <p:stCondLst>
+                        <p:cond delay="indefinite"/>
+                      </p:stCondLst>
+                      <p:childTnLst>
+                        <p:par>
+                          <p:cTn id="4" fill="hold">
+                            <p:stCondLst>
+                              <p:cond delay="0"/>
+                            </p:stCondLst>
+                            <p:childTnLst>
+                              <p:par>
+                                <p:cTn id="5" presetClass="entr" nodeType="clickEffect" presetSubtype="0" presetID="1" grpId="1" fill="hold">
+                                  <p:stCondLst>
+                                    <p:cond delay="0"/>
+                                  </p:stCondLst>
+                                  <p:iterate type="el" backwards="0">
+                                    <p:tmAbs val="0"/>
+                                  </p:iterate>
+                                  <p:childTnLst>
+                                    <p:set>
+                                      <p:cBhvr>
+                                        <p:cTn id="6" fill="hold"/>
+                                        <p:tgtEl>
+                                          <p:spTgt spid="247">
+                                            <p:bg/>
+                                          </p:spTgt>
+                                        </p:tgtEl>
+                                        <p:attrNameLst>
+                                          <p:attrName>style.visibility</p:attrName>
+                                        </p:attrNameLst>
+                                      </p:cBhvr>
+                                      <p:to>
+                                        <p:strVal val="visible"/>
+                                      </p:to>
+                                    </p:set>
+                                  </p:childTnLst>
+                                </p:cTn>
+                              </p:par>
+                              <p:par>
+                                <p:cTn id="7" presetClass="entr" nodeType="withEffect" presetSubtype="0" presetID="1" grpId="1" fill="hold">
+                                  <p:stCondLst>
+                                    <p:cond delay="0"/>
+                                  </p:stCondLst>
+                                  <p:iterate type="el" backwards="0">
+                                    <p:tmAbs val="0"/>
+                                  </p:iterate>
+                                  <p:childTnLst>
+                                    <p:set>
+                                      <p:cBhvr>
+                                        <p:cTn id="8" fill="hold"/>
+                                        <p:tgtEl>
+                                          <p:spTgt spid="247">
+                                            <p:txEl>
+                                              <p:pRg st="0" end="0"/>
+                                            </p:txEl>
+                                          </p:spTgt>
+                                        </p:tgtEl>
+                                        <p:attrNameLst>
+                                          <p:attrName>style.visibility</p:attrName>
+                                        </p:attrNameLst>
+                                      </p:cBhvr>
+                                      <p:to>
+                                        <p:strVal val="visible"/>
+                                      </p:to>
+                                    </p:set>
+                                  </p:childTnLst>
+                                </p:cTn>
+                              </p:par>
+                            </p:childTnLst>
+                          </p:cTn>
+                        </p:par>
+                      </p:childTnLst>
+                    </p:cTn>
+                  </p:par>
+                </p:childTnLst>
+              </p:cTn>
+              <p:prevCondLst>
+                <p:cond evt="onPrev">
+                  <p:tgtEl>
+                    <p:sldTgt/>
+                  </p:tgtEl>
+                </p:cond>
+              </p:prevCondLst>
+              <p:nextCondLst>
+                <p:cond evt="onNext">
+                  <p:tgtEl>
+                    <p:sldTgt/>
+                  </p:tgtEl>
+                </p:cond>
+              </p:nextCondLst>
+            </p:seq>
+          </p:childTnLst>
+        </p:cTn>
+      </p:par>
+    </p:tnLst>
+    <p:bldLst>
+      <p:bldP build="p" bldLvl="5" animBg="1" rev="0" advAuto="0" spid="247" grpId="1"/>
+    </p:bldLst>
+  </p:timing>
+</p:sld>
+</file>
+
+<file path=ppt/slides/slide8.xml><?xml version="1.0" encoding="utf-8"?>
 <p:sld xmlns:a="http://schemas.openxmlformats.org/drawingml/2006/main" xmlns:r="http://schemas.openxmlformats.org/officeDocument/2006/relationships" xmlns:p="http://schemas.openxmlformats.org/presentationml/2006/main" xmlns:m="http://schemas.openxmlformats.org/officeDocument/2006/math" xmlns:a14="http://schemas.microsoft.com/office/drawing/2010/main" showMasterSp="1" showMasterPhAnim="1">
   <p:cSld>
     <p:spTree>
@@ -8841,7 +11458,7 @@
       </p:grpSpPr>
       <p:grpSp>
         <p:nvGrpSpPr>
-          <p:cNvPr id="212" name="组 47"/>
+          <p:cNvPr id="253" name="组 47"/>
           <p:cNvGrpSpPr/>
           <p:nvPr/>
         </p:nvGrpSpPr>
@@ -8855,7 +11472,7 @@
         </p:grpSpPr>
         <p:grpSp>
           <p:nvGrpSpPr>
-            <p:cNvPr id="210" name="组 46"/>
+            <p:cNvPr id="251" name="组 46"/>
             <p:cNvGrpSpPr/>
             <p:nvPr/>
           </p:nvGrpSpPr>
@@ -8869,7 +11486,7 @@
           </p:grpSpPr>
           <p:pic>
             <p:nvPicPr>
-              <p:cNvPr id="208" name="图片 7" descr="图片 7"/>
+              <p:cNvPr id="249" name="图片 7" descr="图片 7"/>
               <p:cNvPicPr>
                 <a:picLocks noChangeAspect="1"/>
               </p:cNvPicPr>
@@ -8900,7 +11517,7 @@
           </p:pic>
           <p:pic>
             <p:nvPicPr>
-              <p:cNvPr id="209" name="图片 8" descr="图片 8"/>
+              <p:cNvPr id="250" name="图片 8" descr="图片 8"/>
               <p:cNvPicPr>
                 <a:picLocks noChangeAspect="1"/>
               </p:cNvPicPr>
@@ -8932,7 +11549,7 @@
         </p:grpSp>
         <p:pic>
           <p:nvPicPr>
-            <p:cNvPr id="211" name="图片 6" descr="图片 6"/>
+            <p:cNvPr id="252" name="图片 6" descr="图片 6"/>
             <p:cNvPicPr>
               <a:picLocks noChangeAspect="1"/>
             </p:cNvPicPr>
@@ -8965,7 +11582,7 @@
       </p:grpSp>
       <p:pic>
         <p:nvPicPr>
-          <p:cNvPr id="213" name="图片 9" descr="图片 9"/>
+          <p:cNvPr id="254" name="图片 9" descr="图片 9"/>
           <p:cNvPicPr>
             <a:picLocks noChangeAspect="1"/>
           </p:cNvPicPr>
@@ -8994,7 +11611,7 @@
       </p:pic>
       <p:sp>
         <p:nvSpPr>
-          <p:cNvPr id="214" name="文本框 6"/>
+          <p:cNvPr id="255" name="文本框 6"/>
           <p:cNvSpPr txBox="1"/>
           <p:nvPr/>
         </p:nvSpPr>
@@ -9042,7 +11659,7 @@
       </p:sp>
       <p:sp>
         <p:nvSpPr>
-          <p:cNvPr id="215" name="文本框 7"/>
+          <p:cNvPr id="256" name="文本框 7"/>
           <p:cNvSpPr txBox="1"/>
           <p:nvPr/>
         </p:nvSpPr>
@@ -9090,7 +11707,7 @@
       </p:sp>
       <p:sp>
         <p:nvSpPr>
-          <p:cNvPr id="216" name="文本框 9"/>
+          <p:cNvPr id="257" name="文本框 9"/>
           <p:cNvSpPr txBox="1"/>
           <p:nvPr/>
         </p:nvSpPr>
